--- a/for_students/DAY-1/dev1_01.pptx
+++ b/for_students/DAY-1/dev1_01.pptx
@@ -3,18 +3,20 @@
 <p:presentation xmlns:a="http://schemas.openxmlformats.org/drawingml/2006/main" xmlns:r="http://schemas.openxmlformats.org/officeDocument/2006/relationships" xmlns:p="http://schemas.openxmlformats.org/presentationml/2006/main" saveSubsetFonts="1">
   <p:sldMasterIdLst>
     <p:sldMasterId id="2147483648" r:id="rId1"/>
+    <p:sldMasterId id="2147483660" r:id="rId2"/>
   </p:sldMasterIdLst>
   <p:sldIdLst>
-    <p:sldId id="256" r:id="rId2"/>
-    <p:sldId id="258" r:id="rId3"/>
-    <p:sldId id="259" r:id="rId4"/>
-    <p:sldId id="260" r:id="rId5"/>
-    <p:sldId id="261" r:id="rId6"/>
-    <p:sldId id="262" r:id="rId7"/>
-    <p:sldId id="263" r:id="rId8"/>
-    <p:sldId id="264" r:id="rId9"/>
-    <p:sldId id="265" r:id="rId10"/>
-    <p:sldId id="266" r:id="rId11"/>
+    <p:sldId id="272" r:id="rId3"/>
+    <p:sldId id="256" r:id="rId4"/>
+    <p:sldId id="258" r:id="rId5"/>
+    <p:sldId id="259" r:id="rId6"/>
+    <p:sldId id="260" r:id="rId7"/>
+    <p:sldId id="261" r:id="rId8"/>
+    <p:sldId id="262" r:id="rId9"/>
+    <p:sldId id="263" r:id="rId10"/>
+    <p:sldId id="264" r:id="rId11"/>
+    <p:sldId id="265" r:id="rId12"/>
+    <p:sldId id="266" r:id="rId13"/>
   </p:sldIdLst>
   <p:sldSz cx="12192000" cy="6858000"/>
   <p:notesSz cx="6858000" cy="9144000"/>
@@ -113,6 +115,11 @@
       </a:defRPr>
     </a:lvl9pPr>
   </p:defaultTextStyle>
+  <p:extLst>
+    <p:ext uri="{EFAFB233-063F-42B5-8137-9DF3F51BA10A}">
+      <p15:sldGuideLst xmlns:p15="http://schemas.microsoft.com/office/powerpoint/2012/main"/>
+    </p:ext>
+  </p:extLst>
 </p:presentation>
 </file>
 
@@ -263,7 +270,7 @@
           <a:p>
             <a:fld id="{EF790F8C-5FB9-4EFE-BCC7-F735A3026FD8}" type="datetimeFigureOut">
               <a:rPr lang="ru-RU" smtClean="0"/>
-              <a:t>11.09.2024</a:t>
+              <a:t>19.09.2024</a:t>
             </a:fld>
             <a:endParaRPr lang="ru-RU"/>
           </a:p>
@@ -461,7 +468,7 @@
           <a:p>
             <a:fld id="{EF790F8C-5FB9-4EFE-BCC7-F735A3026FD8}" type="datetimeFigureOut">
               <a:rPr lang="ru-RU" smtClean="0"/>
-              <a:t>11.09.2024</a:t>
+              <a:t>19.09.2024</a:t>
             </a:fld>
             <a:endParaRPr lang="ru-RU"/>
           </a:p>
@@ -669,7 +676,7 @@
           <a:p>
             <a:fld id="{EF790F8C-5FB9-4EFE-BCC7-F735A3026FD8}" type="datetimeFigureOut">
               <a:rPr lang="ru-RU" smtClean="0"/>
-              <a:t>11.09.2024</a:t>
+              <a:t>19.09.2024</a:t>
             </a:fld>
             <a:endParaRPr lang="ru-RU"/>
           </a:p>
@@ -733,6 +740,820 @@
     <p:extLst>
       <p:ext uri="{BB962C8B-B14F-4D97-AF65-F5344CB8AC3E}">
         <p14:creationId xmlns:p14="http://schemas.microsoft.com/office/powerpoint/2010/main" val="552941780"/>
+      </p:ext>
+    </p:extLst>
+  </p:cSld>
+  <p:clrMapOvr>
+    <a:masterClrMapping/>
+  </p:clrMapOvr>
+</p:sldLayout>
+</file>
+
+<file path=ppt/slideLayouts/slideLayout12.xml><?xml version="1.0" encoding="utf-8"?>
+<p:sldLayout xmlns:a="http://schemas.openxmlformats.org/drawingml/2006/main" xmlns:r="http://schemas.openxmlformats.org/officeDocument/2006/relationships" xmlns:p="http://schemas.openxmlformats.org/presentationml/2006/main" type="blank" preserve="1">
+  <p:cSld name="Blank Slide">
+    <p:spTree>
+      <p:nvGrpSpPr>
+        <p:cNvPr id="1" name=""/>
+        <p:cNvGrpSpPr/>
+        <p:nvPr/>
+      </p:nvGrpSpPr>
+      <p:grpSpPr>
+        <a:xfrm>
+          <a:off x="0" y="0"/>
+          <a:ext cx="0" cy="0"/>
+          <a:chOff x="0" y="0"/>
+          <a:chExt cx="0" cy="0"/>
+        </a:xfrm>
+      </p:grpSpPr>
+    </p:spTree>
+    <p:extLst>
+      <p:ext uri="{BB962C8B-B14F-4D97-AF65-F5344CB8AC3E}">
+        <p14:creationId xmlns:p14="http://schemas.microsoft.com/office/powerpoint/2010/main" val="4167853404"/>
+      </p:ext>
+    </p:extLst>
+  </p:cSld>
+  <p:clrMapOvr>
+    <a:masterClrMapping/>
+  </p:clrMapOvr>
+</p:sldLayout>
+</file>
+
+<file path=ppt/slideLayouts/slideLayout13.xml><?xml version="1.0" encoding="utf-8"?>
+<p:sldLayout xmlns:a="http://schemas.openxmlformats.org/drawingml/2006/main" xmlns:r="http://schemas.openxmlformats.org/officeDocument/2006/relationships" xmlns:p="http://schemas.openxmlformats.org/presentationml/2006/main" type="tx" preserve="1">
+  <p:cSld name="Title Slide">
+    <p:spTree>
+      <p:nvGrpSpPr>
+        <p:cNvPr id="1" name=""/>
+        <p:cNvGrpSpPr/>
+        <p:nvPr/>
+      </p:nvGrpSpPr>
+      <p:grpSpPr>
+        <a:xfrm>
+          <a:off x="0" y="0"/>
+          <a:ext cx="0" cy="0"/>
+          <a:chOff x="0" y="0"/>
+          <a:chExt cx="0" cy="0"/>
+        </a:xfrm>
+      </p:grpSpPr>
+      <p:sp>
+        <p:nvSpPr>
+          <p:cNvPr id="7" name="PlaceHolder 1"/>
+          <p:cNvSpPr>
+            <a:spLocks noGrp="1"/>
+          </p:cNvSpPr>
+          <p:nvPr>
+            <p:ph type="title"/>
+          </p:nvPr>
+        </p:nvSpPr>
+        <p:spPr>
+          <a:xfrm>
+            <a:off x="838080" y="365280"/>
+            <a:ext cx="10515360" cy="1325280"/>
+          </a:xfrm>
+          <a:prstGeom prst="rect">
+            <a:avLst/>
+          </a:prstGeom>
+        </p:spPr>
+        <p:txBody>
+          <a:bodyPr lIns="0" tIns="0" rIns="0" bIns="0" anchor="ctr">
+            <a:noAutofit/>
+          </a:bodyPr>
+          <a:lstStyle/>
+          <a:p>
+            <a:endParaRPr lang="ru-RU" sz="2400" b="0" strike="noStrike" spc="-1">
+              <a:solidFill>
+                <a:srgbClr val="000000"/>
+              </a:solidFill>
+              <a:latin typeface="Calibri"/>
+            </a:endParaRPr>
+          </a:p>
+        </p:txBody>
+      </p:sp>
+      <p:sp>
+        <p:nvSpPr>
+          <p:cNvPr id="8" name="PlaceHolder 2"/>
+          <p:cNvSpPr>
+            <a:spLocks noGrp="1"/>
+          </p:cNvSpPr>
+          <p:nvPr>
+            <p:ph type="subTitle"/>
+          </p:nvPr>
+        </p:nvSpPr>
+        <p:spPr>
+          <a:xfrm>
+            <a:off x="838080" y="1825440"/>
+            <a:ext cx="10515360" cy="4350720"/>
+          </a:xfrm>
+          <a:prstGeom prst="rect">
+            <a:avLst/>
+          </a:prstGeom>
+        </p:spPr>
+        <p:txBody>
+          <a:bodyPr lIns="0" tIns="0" rIns="0" bIns="0" anchor="ctr">
+            <a:noAutofit/>
+          </a:bodyPr>
+          <a:lstStyle/>
+          <a:p>
+            <a:pPr algn="ctr"/>
+            <a:endParaRPr lang="ru-RU" sz="4267" b="0" strike="noStrike" spc="-1">
+              <a:latin typeface="Arial"/>
+            </a:endParaRPr>
+          </a:p>
+        </p:txBody>
+      </p:sp>
+    </p:spTree>
+    <p:extLst>
+      <p:ext uri="{BB962C8B-B14F-4D97-AF65-F5344CB8AC3E}">
+        <p14:creationId xmlns:p14="http://schemas.microsoft.com/office/powerpoint/2010/main" val="1329424545"/>
+      </p:ext>
+    </p:extLst>
+  </p:cSld>
+  <p:clrMapOvr>
+    <a:masterClrMapping/>
+  </p:clrMapOvr>
+</p:sldLayout>
+</file>
+
+<file path=ppt/slideLayouts/slideLayout14.xml><?xml version="1.0" encoding="utf-8"?>
+<p:sldLayout xmlns:a="http://schemas.openxmlformats.org/drawingml/2006/main" xmlns:r="http://schemas.openxmlformats.org/officeDocument/2006/relationships" xmlns:p="http://schemas.openxmlformats.org/presentationml/2006/main" type="obj" preserve="1">
+  <p:cSld name="Title, Content">
+    <p:spTree>
+      <p:nvGrpSpPr>
+        <p:cNvPr id="1" name=""/>
+        <p:cNvGrpSpPr/>
+        <p:nvPr/>
+      </p:nvGrpSpPr>
+      <p:grpSpPr>
+        <a:xfrm>
+          <a:off x="0" y="0"/>
+          <a:ext cx="0" cy="0"/>
+          <a:chOff x="0" y="0"/>
+          <a:chExt cx="0" cy="0"/>
+        </a:xfrm>
+      </p:grpSpPr>
+      <p:sp>
+        <p:nvSpPr>
+          <p:cNvPr id="9" name="PlaceHolder 1"/>
+          <p:cNvSpPr>
+            <a:spLocks noGrp="1"/>
+          </p:cNvSpPr>
+          <p:nvPr>
+            <p:ph type="title"/>
+          </p:nvPr>
+        </p:nvSpPr>
+        <p:spPr>
+          <a:xfrm>
+            <a:off x="838080" y="365280"/>
+            <a:ext cx="10515360" cy="1325280"/>
+          </a:xfrm>
+          <a:prstGeom prst="rect">
+            <a:avLst/>
+          </a:prstGeom>
+        </p:spPr>
+        <p:txBody>
+          <a:bodyPr lIns="0" tIns="0" rIns="0" bIns="0" anchor="ctr">
+            <a:noAutofit/>
+          </a:bodyPr>
+          <a:lstStyle/>
+          <a:p>
+            <a:endParaRPr lang="ru-RU" sz="2400" b="0" strike="noStrike" spc="-1">
+              <a:solidFill>
+                <a:srgbClr val="000000"/>
+              </a:solidFill>
+              <a:latin typeface="Calibri"/>
+            </a:endParaRPr>
+          </a:p>
+        </p:txBody>
+      </p:sp>
+      <p:sp>
+        <p:nvSpPr>
+          <p:cNvPr id="10" name="PlaceHolder 2"/>
+          <p:cNvSpPr>
+            <a:spLocks noGrp="1"/>
+          </p:cNvSpPr>
+          <p:nvPr>
+            <p:ph type="body"/>
+          </p:nvPr>
+        </p:nvSpPr>
+        <p:spPr>
+          <a:xfrm>
+            <a:off x="838080" y="1825440"/>
+            <a:ext cx="10515360" cy="4350720"/>
+          </a:xfrm>
+          <a:prstGeom prst="rect">
+            <a:avLst/>
+          </a:prstGeom>
+        </p:spPr>
+        <p:txBody>
+          <a:bodyPr lIns="0" tIns="0" rIns="0" bIns="0">
+            <a:normAutofit/>
+          </a:bodyPr>
+          <a:lstStyle/>
+          <a:p>
+            <a:endParaRPr lang="ru-RU" sz="2800" b="0" strike="noStrike" spc="-1">
+              <a:solidFill>
+                <a:srgbClr val="000000"/>
+              </a:solidFill>
+              <a:latin typeface="Calibri"/>
+            </a:endParaRPr>
+          </a:p>
+        </p:txBody>
+      </p:sp>
+    </p:spTree>
+    <p:extLst>
+      <p:ext uri="{BB962C8B-B14F-4D97-AF65-F5344CB8AC3E}">
+        <p14:creationId xmlns:p14="http://schemas.microsoft.com/office/powerpoint/2010/main" val="3391065041"/>
+      </p:ext>
+    </p:extLst>
+  </p:cSld>
+  <p:clrMapOvr>
+    <a:masterClrMapping/>
+  </p:clrMapOvr>
+</p:sldLayout>
+</file>
+
+<file path=ppt/slideLayouts/slideLayout15.xml><?xml version="1.0" encoding="utf-8"?>
+<p:sldLayout xmlns:a="http://schemas.openxmlformats.org/drawingml/2006/main" xmlns:r="http://schemas.openxmlformats.org/officeDocument/2006/relationships" xmlns:p="http://schemas.openxmlformats.org/presentationml/2006/main" type="twoObj" preserve="1">
+  <p:cSld name="Title, 2 Content">
+    <p:spTree>
+      <p:nvGrpSpPr>
+        <p:cNvPr id="1" name=""/>
+        <p:cNvGrpSpPr/>
+        <p:nvPr/>
+      </p:nvGrpSpPr>
+      <p:grpSpPr>
+        <a:xfrm>
+          <a:off x="0" y="0"/>
+          <a:ext cx="0" cy="0"/>
+          <a:chOff x="0" y="0"/>
+          <a:chExt cx="0" cy="0"/>
+        </a:xfrm>
+      </p:grpSpPr>
+      <p:sp>
+        <p:nvSpPr>
+          <p:cNvPr id="11" name="PlaceHolder 1"/>
+          <p:cNvSpPr>
+            <a:spLocks noGrp="1"/>
+          </p:cNvSpPr>
+          <p:nvPr>
+            <p:ph type="title"/>
+          </p:nvPr>
+        </p:nvSpPr>
+        <p:spPr>
+          <a:xfrm>
+            <a:off x="838080" y="365280"/>
+            <a:ext cx="10515360" cy="1325280"/>
+          </a:xfrm>
+          <a:prstGeom prst="rect">
+            <a:avLst/>
+          </a:prstGeom>
+        </p:spPr>
+        <p:txBody>
+          <a:bodyPr lIns="0" tIns="0" rIns="0" bIns="0" anchor="ctr">
+            <a:noAutofit/>
+          </a:bodyPr>
+          <a:lstStyle/>
+          <a:p>
+            <a:endParaRPr lang="ru-RU" sz="2400" b="0" strike="noStrike" spc="-1">
+              <a:solidFill>
+                <a:srgbClr val="000000"/>
+              </a:solidFill>
+              <a:latin typeface="Calibri"/>
+            </a:endParaRPr>
+          </a:p>
+        </p:txBody>
+      </p:sp>
+      <p:sp>
+        <p:nvSpPr>
+          <p:cNvPr id="12" name="PlaceHolder 2"/>
+          <p:cNvSpPr>
+            <a:spLocks noGrp="1"/>
+          </p:cNvSpPr>
+          <p:nvPr>
+            <p:ph type="body"/>
+          </p:nvPr>
+        </p:nvSpPr>
+        <p:spPr>
+          <a:xfrm>
+            <a:off x="838080" y="1825440"/>
+            <a:ext cx="5131200" cy="4350720"/>
+          </a:xfrm>
+          <a:prstGeom prst="rect">
+            <a:avLst/>
+          </a:prstGeom>
+        </p:spPr>
+        <p:txBody>
+          <a:bodyPr lIns="0" tIns="0" rIns="0" bIns="0">
+            <a:normAutofit/>
+          </a:bodyPr>
+          <a:lstStyle/>
+          <a:p>
+            <a:endParaRPr lang="ru-RU" sz="2800" b="0" strike="noStrike" spc="-1">
+              <a:solidFill>
+                <a:srgbClr val="000000"/>
+              </a:solidFill>
+              <a:latin typeface="Calibri"/>
+            </a:endParaRPr>
+          </a:p>
+        </p:txBody>
+      </p:sp>
+      <p:sp>
+        <p:nvSpPr>
+          <p:cNvPr id="13" name="PlaceHolder 3"/>
+          <p:cNvSpPr>
+            <a:spLocks noGrp="1"/>
+          </p:cNvSpPr>
+          <p:nvPr>
+            <p:ph type="body"/>
+          </p:nvPr>
+        </p:nvSpPr>
+        <p:spPr>
+          <a:xfrm>
+            <a:off x="6226560" y="1825440"/>
+            <a:ext cx="5131200" cy="4350720"/>
+          </a:xfrm>
+          <a:prstGeom prst="rect">
+            <a:avLst/>
+          </a:prstGeom>
+        </p:spPr>
+        <p:txBody>
+          <a:bodyPr lIns="0" tIns="0" rIns="0" bIns="0">
+            <a:normAutofit/>
+          </a:bodyPr>
+          <a:lstStyle/>
+          <a:p>
+            <a:endParaRPr lang="ru-RU" sz="2800" b="0" strike="noStrike" spc="-1">
+              <a:solidFill>
+                <a:srgbClr val="000000"/>
+              </a:solidFill>
+              <a:latin typeface="Calibri"/>
+            </a:endParaRPr>
+          </a:p>
+        </p:txBody>
+      </p:sp>
+    </p:spTree>
+    <p:extLst>
+      <p:ext uri="{BB962C8B-B14F-4D97-AF65-F5344CB8AC3E}">
+        <p14:creationId xmlns:p14="http://schemas.microsoft.com/office/powerpoint/2010/main" val="1965097500"/>
+      </p:ext>
+    </p:extLst>
+  </p:cSld>
+  <p:clrMapOvr>
+    <a:masterClrMapping/>
+  </p:clrMapOvr>
+</p:sldLayout>
+</file>
+
+<file path=ppt/slideLayouts/slideLayout16.xml><?xml version="1.0" encoding="utf-8"?>
+<p:sldLayout xmlns:a="http://schemas.openxmlformats.org/drawingml/2006/main" xmlns:r="http://schemas.openxmlformats.org/officeDocument/2006/relationships" xmlns:p="http://schemas.openxmlformats.org/presentationml/2006/main" type="titleOnly" preserve="1">
+  <p:cSld name="Title Only">
+    <p:spTree>
+      <p:nvGrpSpPr>
+        <p:cNvPr id="1" name=""/>
+        <p:cNvGrpSpPr/>
+        <p:nvPr/>
+      </p:nvGrpSpPr>
+      <p:grpSpPr>
+        <a:xfrm>
+          <a:off x="0" y="0"/>
+          <a:ext cx="0" cy="0"/>
+          <a:chOff x="0" y="0"/>
+          <a:chExt cx="0" cy="0"/>
+        </a:xfrm>
+      </p:grpSpPr>
+      <p:sp>
+        <p:nvSpPr>
+          <p:cNvPr id="14" name="PlaceHolder 1"/>
+          <p:cNvSpPr>
+            <a:spLocks noGrp="1"/>
+          </p:cNvSpPr>
+          <p:nvPr>
+            <p:ph type="title"/>
+          </p:nvPr>
+        </p:nvSpPr>
+        <p:spPr>
+          <a:xfrm>
+            <a:off x="838080" y="365280"/>
+            <a:ext cx="10515360" cy="1325280"/>
+          </a:xfrm>
+          <a:prstGeom prst="rect">
+            <a:avLst/>
+          </a:prstGeom>
+        </p:spPr>
+        <p:txBody>
+          <a:bodyPr lIns="0" tIns="0" rIns="0" bIns="0" anchor="ctr">
+            <a:noAutofit/>
+          </a:bodyPr>
+          <a:lstStyle/>
+          <a:p>
+            <a:endParaRPr lang="ru-RU" sz="2400" b="0" strike="noStrike" spc="-1">
+              <a:solidFill>
+                <a:srgbClr val="000000"/>
+              </a:solidFill>
+              <a:latin typeface="Calibri"/>
+            </a:endParaRPr>
+          </a:p>
+        </p:txBody>
+      </p:sp>
+    </p:spTree>
+    <p:extLst>
+      <p:ext uri="{BB962C8B-B14F-4D97-AF65-F5344CB8AC3E}">
+        <p14:creationId xmlns:p14="http://schemas.microsoft.com/office/powerpoint/2010/main" val="2258515625"/>
+      </p:ext>
+    </p:extLst>
+  </p:cSld>
+  <p:clrMapOvr>
+    <a:masterClrMapping/>
+  </p:clrMapOvr>
+</p:sldLayout>
+</file>
+
+<file path=ppt/slideLayouts/slideLayout17.xml><?xml version="1.0" encoding="utf-8"?>
+<p:sldLayout xmlns:a="http://schemas.openxmlformats.org/drawingml/2006/main" xmlns:r="http://schemas.openxmlformats.org/officeDocument/2006/relationships" xmlns:p="http://schemas.openxmlformats.org/presentationml/2006/main" type="objOnly" preserve="1">
+  <p:cSld name="Centered Text">
+    <p:spTree>
+      <p:nvGrpSpPr>
+        <p:cNvPr id="1" name=""/>
+        <p:cNvGrpSpPr/>
+        <p:nvPr/>
+      </p:nvGrpSpPr>
+      <p:grpSpPr>
+        <a:xfrm>
+          <a:off x="0" y="0"/>
+          <a:ext cx="0" cy="0"/>
+          <a:chOff x="0" y="0"/>
+          <a:chExt cx="0" cy="0"/>
+        </a:xfrm>
+      </p:grpSpPr>
+      <p:sp>
+        <p:nvSpPr>
+          <p:cNvPr id="15" name="PlaceHolder 1"/>
+          <p:cNvSpPr>
+            <a:spLocks noGrp="1"/>
+          </p:cNvSpPr>
+          <p:nvPr>
+            <p:ph type="subTitle"/>
+          </p:nvPr>
+        </p:nvSpPr>
+        <p:spPr>
+          <a:xfrm>
+            <a:off x="838080" y="365280"/>
+            <a:ext cx="10515360" cy="6144960"/>
+          </a:xfrm>
+          <a:prstGeom prst="rect">
+            <a:avLst/>
+          </a:prstGeom>
+        </p:spPr>
+        <p:txBody>
+          <a:bodyPr lIns="0" tIns="0" rIns="0" bIns="0" anchor="ctr">
+            <a:noAutofit/>
+          </a:bodyPr>
+          <a:lstStyle/>
+          <a:p>
+            <a:pPr algn="ctr"/>
+            <a:endParaRPr lang="ru-RU" sz="4267" b="0" strike="noStrike" spc="-1">
+              <a:latin typeface="Arial"/>
+            </a:endParaRPr>
+          </a:p>
+        </p:txBody>
+      </p:sp>
+    </p:spTree>
+    <p:extLst>
+      <p:ext uri="{BB962C8B-B14F-4D97-AF65-F5344CB8AC3E}">
+        <p14:creationId xmlns:p14="http://schemas.microsoft.com/office/powerpoint/2010/main" val="3990164614"/>
+      </p:ext>
+    </p:extLst>
+  </p:cSld>
+  <p:clrMapOvr>
+    <a:masterClrMapping/>
+  </p:clrMapOvr>
+</p:sldLayout>
+</file>
+
+<file path=ppt/slideLayouts/slideLayout18.xml><?xml version="1.0" encoding="utf-8"?>
+<p:sldLayout xmlns:a="http://schemas.openxmlformats.org/drawingml/2006/main" xmlns:r="http://schemas.openxmlformats.org/officeDocument/2006/relationships" xmlns:p="http://schemas.openxmlformats.org/presentationml/2006/main" type="twoObjAndObj" preserve="1">
+  <p:cSld name="Title, 2 Content and Content">
+    <p:spTree>
+      <p:nvGrpSpPr>
+        <p:cNvPr id="1" name=""/>
+        <p:cNvGrpSpPr/>
+        <p:nvPr/>
+      </p:nvGrpSpPr>
+      <p:grpSpPr>
+        <a:xfrm>
+          <a:off x="0" y="0"/>
+          <a:ext cx="0" cy="0"/>
+          <a:chOff x="0" y="0"/>
+          <a:chExt cx="0" cy="0"/>
+        </a:xfrm>
+      </p:grpSpPr>
+      <p:sp>
+        <p:nvSpPr>
+          <p:cNvPr id="16" name="PlaceHolder 1"/>
+          <p:cNvSpPr>
+            <a:spLocks noGrp="1"/>
+          </p:cNvSpPr>
+          <p:nvPr>
+            <p:ph type="title"/>
+          </p:nvPr>
+        </p:nvSpPr>
+        <p:spPr>
+          <a:xfrm>
+            <a:off x="838080" y="365280"/>
+            <a:ext cx="10515360" cy="1325280"/>
+          </a:xfrm>
+          <a:prstGeom prst="rect">
+            <a:avLst/>
+          </a:prstGeom>
+        </p:spPr>
+        <p:txBody>
+          <a:bodyPr lIns="0" tIns="0" rIns="0" bIns="0" anchor="ctr">
+            <a:noAutofit/>
+          </a:bodyPr>
+          <a:lstStyle/>
+          <a:p>
+            <a:endParaRPr lang="ru-RU" sz="2400" b="0" strike="noStrike" spc="-1">
+              <a:solidFill>
+                <a:srgbClr val="000000"/>
+              </a:solidFill>
+              <a:latin typeface="Calibri"/>
+            </a:endParaRPr>
+          </a:p>
+        </p:txBody>
+      </p:sp>
+      <p:sp>
+        <p:nvSpPr>
+          <p:cNvPr id="17" name="PlaceHolder 2"/>
+          <p:cNvSpPr>
+            <a:spLocks noGrp="1"/>
+          </p:cNvSpPr>
+          <p:nvPr>
+            <p:ph type="body"/>
+          </p:nvPr>
+        </p:nvSpPr>
+        <p:spPr>
+          <a:xfrm>
+            <a:off x="838080" y="1825440"/>
+            <a:ext cx="5131200" cy="2075040"/>
+          </a:xfrm>
+          <a:prstGeom prst="rect">
+            <a:avLst/>
+          </a:prstGeom>
+        </p:spPr>
+        <p:txBody>
+          <a:bodyPr lIns="0" tIns="0" rIns="0" bIns="0">
+            <a:normAutofit/>
+          </a:bodyPr>
+          <a:lstStyle/>
+          <a:p>
+            <a:endParaRPr lang="ru-RU" sz="2800" b="0" strike="noStrike" spc="-1">
+              <a:solidFill>
+                <a:srgbClr val="000000"/>
+              </a:solidFill>
+              <a:latin typeface="Calibri"/>
+            </a:endParaRPr>
+          </a:p>
+        </p:txBody>
+      </p:sp>
+      <p:sp>
+        <p:nvSpPr>
+          <p:cNvPr id="18" name="PlaceHolder 3"/>
+          <p:cNvSpPr>
+            <a:spLocks noGrp="1"/>
+          </p:cNvSpPr>
+          <p:nvPr>
+            <p:ph type="body"/>
+          </p:nvPr>
+        </p:nvSpPr>
+        <p:spPr>
+          <a:xfrm>
+            <a:off x="6226560" y="1825440"/>
+            <a:ext cx="5131200" cy="4350720"/>
+          </a:xfrm>
+          <a:prstGeom prst="rect">
+            <a:avLst/>
+          </a:prstGeom>
+        </p:spPr>
+        <p:txBody>
+          <a:bodyPr lIns="0" tIns="0" rIns="0" bIns="0">
+            <a:normAutofit/>
+          </a:bodyPr>
+          <a:lstStyle/>
+          <a:p>
+            <a:endParaRPr lang="ru-RU" sz="2800" b="0" strike="noStrike" spc="-1">
+              <a:solidFill>
+                <a:srgbClr val="000000"/>
+              </a:solidFill>
+              <a:latin typeface="Calibri"/>
+            </a:endParaRPr>
+          </a:p>
+        </p:txBody>
+      </p:sp>
+      <p:sp>
+        <p:nvSpPr>
+          <p:cNvPr id="19" name="PlaceHolder 4"/>
+          <p:cNvSpPr>
+            <a:spLocks noGrp="1"/>
+          </p:cNvSpPr>
+          <p:nvPr>
+            <p:ph type="body"/>
+          </p:nvPr>
+        </p:nvSpPr>
+        <p:spPr>
+          <a:xfrm>
+            <a:off x="838080" y="4098240"/>
+            <a:ext cx="5131200" cy="2075040"/>
+          </a:xfrm>
+          <a:prstGeom prst="rect">
+            <a:avLst/>
+          </a:prstGeom>
+        </p:spPr>
+        <p:txBody>
+          <a:bodyPr lIns="0" tIns="0" rIns="0" bIns="0">
+            <a:normAutofit/>
+          </a:bodyPr>
+          <a:lstStyle/>
+          <a:p>
+            <a:endParaRPr lang="ru-RU" sz="2800" b="0" strike="noStrike" spc="-1">
+              <a:solidFill>
+                <a:srgbClr val="000000"/>
+              </a:solidFill>
+              <a:latin typeface="Calibri"/>
+            </a:endParaRPr>
+          </a:p>
+        </p:txBody>
+      </p:sp>
+    </p:spTree>
+    <p:extLst>
+      <p:ext uri="{BB962C8B-B14F-4D97-AF65-F5344CB8AC3E}">
+        <p14:creationId xmlns:p14="http://schemas.microsoft.com/office/powerpoint/2010/main" val="912258896"/>
+      </p:ext>
+    </p:extLst>
+  </p:cSld>
+  <p:clrMapOvr>
+    <a:masterClrMapping/>
+  </p:clrMapOvr>
+</p:sldLayout>
+</file>
+
+<file path=ppt/slideLayouts/slideLayout19.xml><?xml version="1.0" encoding="utf-8"?>
+<p:sldLayout xmlns:a="http://schemas.openxmlformats.org/drawingml/2006/main" xmlns:r="http://schemas.openxmlformats.org/officeDocument/2006/relationships" xmlns:p="http://schemas.openxmlformats.org/presentationml/2006/main" type="objAndTwoObj" preserve="1">
+  <p:cSld name="Title Content and 2 Content">
+    <p:spTree>
+      <p:nvGrpSpPr>
+        <p:cNvPr id="1" name=""/>
+        <p:cNvGrpSpPr/>
+        <p:nvPr/>
+      </p:nvGrpSpPr>
+      <p:grpSpPr>
+        <a:xfrm>
+          <a:off x="0" y="0"/>
+          <a:ext cx="0" cy="0"/>
+          <a:chOff x="0" y="0"/>
+          <a:chExt cx="0" cy="0"/>
+        </a:xfrm>
+      </p:grpSpPr>
+      <p:sp>
+        <p:nvSpPr>
+          <p:cNvPr id="20" name="PlaceHolder 1"/>
+          <p:cNvSpPr>
+            <a:spLocks noGrp="1"/>
+          </p:cNvSpPr>
+          <p:nvPr>
+            <p:ph type="title"/>
+          </p:nvPr>
+        </p:nvSpPr>
+        <p:spPr>
+          <a:xfrm>
+            <a:off x="838080" y="365280"/>
+            <a:ext cx="10515360" cy="1325280"/>
+          </a:xfrm>
+          <a:prstGeom prst="rect">
+            <a:avLst/>
+          </a:prstGeom>
+        </p:spPr>
+        <p:txBody>
+          <a:bodyPr lIns="0" tIns="0" rIns="0" bIns="0" anchor="ctr">
+            <a:noAutofit/>
+          </a:bodyPr>
+          <a:lstStyle/>
+          <a:p>
+            <a:endParaRPr lang="ru-RU" sz="2400" b="0" strike="noStrike" spc="-1">
+              <a:solidFill>
+                <a:srgbClr val="000000"/>
+              </a:solidFill>
+              <a:latin typeface="Calibri"/>
+            </a:endParaRPr>
+          </a:p>
+        </p:txBody>
+      </p:sp>
+      <p:sp>
+        <p:nvSpPr>
+          <p:cNvPr id="21" name="PlaceHolder 2"/>
+          <p:cNvSpPr>
+            <a:spLocks noGrp="1"/>
+          </p:cNvSpPr>
+          <p:nvPr>
+            <p:ph type="body"/>
+          </p:nvPr>
+        </p:nvSpPr>
+        <p:spPr>
+          <a:xfrm>
+            <a:off x="838080" y="1825440"/>
+            <a:ext cx="5131200" cy="4350720"/>
+          </a:xfrm>
+          <a:prstGeom prst="rect">
+            <a:avLst/>
+          </a:prstGeom>
+        </p:spPr>
+        <p:txBody>
+          <a:bodyPr lIns="0" tIns="0" rIns="0" bIns="0">
+            <a:normAutofit/>
+          </a:bodyPr>
+          <a:lstStyle/>
+          <a:p>
+            <a:endParaRPr lang="ru-RU" sz="2800" b="0" strike="noStrike" spc="-1">
+              <a:solidFill>
+                <a:srgbClr val="000000"/>
+              </a:solidFill>
+              <a:latin typeface="Calibri"/>
+            </a:endParaRPr>
+          </a:p>
+        </p:txBody>
+      </p:sp>
+      <p:sp>
+        <p:nvSpPr>
+          <p:cNvPr id="22" name="PlaceHolder 3"/>
+          <p:cNvSpPr>
+            <a:spLocks noGrp="1"/>
+          </p:cNvSpPr>
+          <p:nvPr>
+            <p:ph type="body"/>
+          </p:nvPr>
+        </p:nvSpPr>
+        <p:spPr>
+          <a:xfrm>
+            <a:off x="6226560" y="1825440"/>
+            <a:ext cx="5131200" cy="2075040"/>
+          </a:xfrm>
+          <a:prstGeom prst="rect">
+            <a:avLst/>
+          </a:prstGeom>
+        </p:spPr>
+        <p:txBody>
+          <a:bodyPr lIns="0" tIns="0" rIns="0" bIns="0">
+            <a:normAutofit/>
+          </a:bodyPr>
+          <a:lstStyle/>
+          <a:p>
+            <a:endParaRPr lang="ru-RU" sz="2800" b="0" strike="noStrike" spc="-1">
+              <a:solidFill>
+                <a:srgbClr val="000000"/>
+              </a:solidFill>
+              <a:latin typeface="Calibri"/>
+            </a:endParaRPr>
+          </a:p>
+        </p:txBody>
+      </p:sp>
+      <p:sp>
+        <p:nvSpPr>
+          <p:cNvPr id="23" name="PlaceHolder 4"/>
+          <p:cNvSpPr>
+            <a:spLocks noGrp="1"/>
+          </p:cNvSpPr>
+          <p:nvPr>
+            <p:ph type="body"/>
+          </p:nvPr>
+        </p:nvSpPr>
+        <p:spPr>
+          <a:xfrm>
+            <a:off x="6226560" y="4098240"/>
+            <a:ext cx="5131200" cy="2075040"/>
+          </a:xfrm>
+          <a:prstGeom prst="rect">
+            <a:avLst/>
+          </a:prstGeom>
+        </p:spPr>
+        <p:txBody>
+          <a:bodyPr lIns="0" tIns="0" rIns="0" bIns="0">
+            <a:normAutofit/>
+          </a:bodyPr>
+          <a:lstStyle/>
+          <a:p>
+            <a:endParaRPr lang="ru-RU" sz="2800" b="0" strike="noStrike" spc="-1">
+              <a:solidFill>
+                <a:srgbClr val="000000"/>
+              </a:solidFill>
+              <a:latin typeface="Calibri"/>
+            </a:endParaRPr>
+          </a:p>
+        </p:txBody>
+      </p:sp>
+    </p:spTree>
+    <p:extLst>
+      <p:ext uri="{BB962C8B-B14F-4D97-AF65-F5344CB8AC3E}">
+        <p14:creationId xmlns:p14="http://schemas.microsoft.com/office/powerpoint/2010/main" val="2634902948"/>
       </p:ext>
     </p:extLst>
   </p:cSld>
@@ -867,7 +1688,7 @@
           <a:p>
             <a:fld id="{EF790F8C-5FB9-4EFE-BCC7-F735A3026FD8}" type="datetimeFigureOut">
               <a:rPr lang="ru-RU" smtClean="0"/>
-              <a:t>11.09.2024</a:t>
+              <a:t>19.09.2024</a:t>
             </a:fld>
             <a:endParaRPr lang="ru-RU"/>
           </a:p>
@@ -931,6 +1752,1117 @@
     <p:extLst>
       <p:ext uri="{BB962C8B-B14F-4D97-AF65-F5344CB8AC3E}">
         <p14:creationId xmlns:p14="http://schemas.microsoft.com/office/powerpoint/2010/main" val="1226406272"/>
+      </p:ext>
+    </p:extLst>
+  </p:cSld>
+  <p:clrMapOvr>
+    <a:masterClrMapping/>
+  </p:clrMapOvr>
+</p:sldLayout>
+</file>
+
+<file path=ppt/slideLayouts/slideLayout20.xml><?xml version="1.0" encoding="utf-8"?>
+<p:sldLayout xmlns:a="http://schemas.openxmlformats.org/drawingml/2006/main" xmlns:r="http://schemas.openxmlformats.org/officeDocument/2006/relationships" xmlns:p="http://schemas.openxmlformats.org/presentationml/2006/main" type="twoObjOverTx" preserve="1">
+  <p:cSld name="Title, 2 Content over Content">
+    <p:spTree>
+      <p:nvGrpSpPr>
+        <p:cNvPr id="1" name=""/>
+        <p:cNvGrpSpPr/>
+        <p:nvPr/>
+      </p:nvGrpSpPr>
+      <p:grpSpPr>
+        <a:xfrm>
+          <a:off x="0" y="0"/>
+          <a:ext cx="0" cy="0"/>
+          <a:chOff x="0" y="0"/>
+          <a:chExt cx="0" cy="0"/>
+        </a:xfrm>
+      </p:grpSpPr>
+      <p:sp>
+        <p:nvSpPr>
+          <p:cNvPr id="24" name="PlaceHolder 1"/>
+          <p:cNvSpPr>
+            <a:spLocks noGrp="1"/>
+          </p:cNvSpPr>
+          <p:nvPr>
+            <p:ph type="title"/>
+          </p:nvPr>
+        </p:nvSpPr>
+        <p:spPr>
+          <a:xfrm>
+            <a:off x="838080" y="365280"/>
+            <a:ext cx="10515360" cy="1325280"/>
+          </a:xfrm>
+          <a:prstGeom prst="rect">
+            <a:avLst/>
+          </a:prstGeom>
+        </p:spPr>
+        <p:txBody>
+          <a:bodyPr lIns="0" tIns="0" rIns="0" bIns="0" anchor="ctr">
+            <a:noAutofit/>
+          </a:bodyPr>
+          <a:lstStyle/>
+          <a:p>
+            <a:endParaRPr lang="ru-RU" sz="2400" b="0" strike="noStrike" spc="-1">
+              <a:solidFill>
+                <a:srgbClr val="000000"/>
+              </a:solidFill>
+              <a:latin typeface="Calibri"/>
+            </a:endParaRPr>
+          </a:p>
+        </p:txBody>
+      </p:sp>
+      <p:sp>
+        <p:nvSpPr>
+          <p:cNvPr id="25" name="PlaceHolder 2"/>
+          <p:cNvSpPr>
+            <a:spLocks noGrp="1"/>
+          </p:cNvSpPr>
+          <p:nvPr>
+            <p:ph type="body"/>
+          </p:nvPr>
+        </p:nvSpPr>
+        <p:spPr>
+          <a:xfrm>
+            <a:off x="838080" y="1825440"/>
+            <a:ext cx="5131200" cy="2075040"/>
+          </a:xfrm>
+          <a:prstGeom prst="rect">
+            <a:avLst/>
+          </a:prstGeom>
+        </p:spPr>
+        <p:txBody>
+          <a:bodyPr lIns="0" tIns="0" rIns="0" bIns="0">
+            <a:normAutofit/>
+          </a:bodyPr>
+          <a:lstStyle/>
+          <a:p>
+            <a:endParaRPr lang="ru-RU" sz="2800" b="0" strike="noStrike" spc="-1">
+              <a:solidFill>
+                <a:srgbClr val="000000"/>
+              </a:solidFill>
+              <a:latin typeface="Calibri"/>
+            </a:endParaRPr>
+          </a:p>
+        </p:txBody>
+      </p:sp>
+      <p:sp>
+        <p:nvSpPr>
+          <p:cNvPr id="26" name="PlaceHolder 3"/>
+          <p:cNvSpPr>
+            <a:spLocks noGrp="1"/>
+          </p:cNvSpPr>
+          <p:nvPr>
+            <p:ph type="body"/>
+          </p:nvPr>
+        </p:nvSpPr>
+        <p:spPr>
+          <a:xfrm>
+            <a:off x="6226560" y="1825440"/>
+            <a:ext cx="5131200" cy="2075040"/>
+          </a:xfrm>
+          <a:prstGeom prst="rect">
+            <a:avLst/>
+          </a:prstGeom>
+        </p:spPr>
+        <p:txBody>
+          <a:bodyPr lIns="0" tIns="0" rIns="0" bIns="0">
+            <a:normAutofit/>
+          </a:bodyPr>
+          <a:lstStyle/>
+          <a:p>
+            <a:endParaRPr lang="ru-RU" sz="2800" b="0" strike="noStrike" spc="-1">
+              <a:solidFill>
+                <a:srgbClr val="000000"/>
+              </a:solidFill>
+              <a:latin typeface="Calibri"/>
+            </a:endParaRPr>
+          </a:p>
+        </p:txBody>
+      </p:sp>
+      <p:sp>
+        <p:nvSpPr>
+          <p:cNvPr id="27" name="PlaceHolder 4"/>
+          <p:cNvSpPr>
+            <a:spLocks noGrp="1"/>
+          </p:cNvSpPr>
+          <p:nvPr>
+            <p:ph type="body"/>
+          </p:nvPr>
+        </p:nvSpPr>
+        <p:spPr>
+          <a:xfrm>
+            <a:off x="838080" y="4098240"/>
+            <a:ext cx="10515360" cy="2075040"/>
+          </a:xfrm>
+          <a:prstGeom prst="rect">
+            <a:avLst/>
+          </a:prstGeom>
+        </p:spPr>
+        <p:txBody>
+          <a:bodyPr lIns="0" tIns="0" rIns="0" bIns="0">
+            <a:normAutofit/>
+          </a:bodyPr>
+          <a:lstStyle/>
+          <a:p>
+            <a:endParaRPr lang="ru-RU" sz="2800" b="0" strike="noStrike" spc="-1">
+              <a:solidFill>
+                <a:srgbClr val="000000"/>
+              </a:solidFill>
+              <a:latin typeface="Calibri"/>
+            </a:endParaRPr>
+          </a:p>
+        </p:txBody>
+      </p:sp>
+    </p:spTree>
+    <p:extLst>
+      <p:ext uri="{BB962C8B-B14F-4D97-AF65-F5344CB8AC3E}">
+        <p14:creationId xmlns:p14="http://schemas.microsoft.com/office/powerpoint/2010/main" val="391518635"/>
+      </p:ext>
+    </p:extLst>
+  </p:cSld>
+  <p:clrMapOvr>
+    <a:masterClrMapping/>
+  </p:clrMapOvr>
+</p:sldLayout>
+</file>
+
+<file path=ppt/slideLayouts/slideLayout21.xml><?xml version="1.0" encoding="utf-8"?>
+<p:sldLayout xmlns:a="http://schemas.openxmlformats.org/drawingml/2006/main" xmlns:r="http://schemas.openxmlformats.org/officeDocument/2006/relationships" xmlns:p="http://schemas.openxmlformats.org/presentationml/2006/main" type="objOverTx" preserve="1">
+  <p:cSld name="Title, Content over Content">
+    <p:spTree>
+      <p:nvGrpSpPr>
+        <p:cNvPr id="1" name=""/>
+        <p:cNvGrpSpPr/>
+        <p:nvPr/>
+      </p:nvGrpSpPr>
+      <p:grpSpPr>
+        <a:xfrm>
+          <a:off x="0" y="0"/>
+          <a:ext cx="0" cy="0"/>
+          <a:chOff x="0" y="0"/>
+          <a:chExt cx="0" cy="0"/>
+        </a:xfrm>
+      </p:grpSpPr>
+      <p:sp>
+        <p:nvSpPr>
+          <p:cNvPr id="28" name="PlaceHolder 1"/>
+          <p:cNvSpPr>
+            <a:spLocks noGrp="1"/>
+          </p:cNvSpPr>
+          <p:nvPr>
+            <p:ph type="title"/>
+          </p:nvPr>
+        </p:nvSpPr>
+        <p:spPr>
+          <a:xfrm>
+            <a:off x="838080" y="365280"/>
+            <a:ext cx="10515360" cy="1325280"/>
+          </a:xfrm>
+          <a:prstGeom prst="rect">
+            <a:avLst/>
+          </a:prstGeom>
+        </p:spPr>
+        <p:txBody>
+          <a:bodyPr lIns="0" tIns="0" rIns="0" bIns="0" anchor="ctr">
+            <a:noAutofit/>
+          </a:bodyPr>
+          <a:lstStyle/>
+          <a:p>
+            <a:endParaRPr lang="ru-RU" sz="2400" b="0" strike="noStrike" spc="-1">
+              <a:solidFill>
+                <a:srgbClr val="000000"/>
+              </a:solidFill>
+              <a:latin typeface="Calibri"/>
+            </a:endParaRPr>
+          </a:p>
+        </p:txBody>
+      </p:sp>
+      <p:sp>
+        <p:nvSpPr>
+          <p:cNvPr id="29" name="PlaceHolder 2"/>
+          <p:cNvSpPr>
+            <a:spLocks noGrp="1"/>
+          </p:cNvSpPr>
+          <p:nvPr>
+            <p:ph type="body"/>
+          </p:nvPr>
+        </p:nvSpPr>
+        <p:spPr>
+          <a:xfrm>
+            <a:off x="838080" y="1825440"/>
+            <a:ext cx="10515360" cy="2075040"/>
+          </a:xfrm>
+          <a:prstGeom prst="rect">
+            <a:avLst/>
+          </a:prstGeom>
+        </p:spPr>
+        <p:txBody>
+          <a:bodyPr lIns="0" tIns="0" rIns="0" bIns="0">
+            <a:normAutofit/>
+          </a:bodyPr>
+          <a:lstStyle/>
+          <a:p>
+            <a:endParaRPr lang="ru-RU" sz="2800" b="0" strike="noStrike" spc="-1">
+              <a:solidFill>
+                <a:srgbClr val="000000"/>
+              </a:solidFill>
+              <a:latin typeface="Calibri"/>
+            </a:endParaRPr>
+          </a:p>
+        </p:txBody>
+      </p:sp>
+      <p:sp>
+        <p:nvSpPr>
+          <p:cNvPr id="30" name="PlaceHolder 3"/>
+          <p:cNvSpPr>
+            <a:spLocks noGrp="1"/>
+          </p:cNvSpPr>
+          <p:nvPr>
+            <p:ph type="body"/>
+          </p:nvPr>
+        </p:nvSpPr>
+        <p:spPr>
+          <a:xfrm>
+            <a:off x="838080" y="4098240"/>
+            <a:ext cx="10515360" cy="2075040"/>
+          </a:xfrm>
+          <a:prstGeom prst="rect">
+            <a:avLst/>
+          </a:prstGeom>
+        </p:spPr>
+        <p:txBody>
+          <a:bodyPr lIns="0" tIns="0" rIns="0" bIns="0">
+            <a:normAutofit/>
+          </a:bodyPr>
+          <a:lstStyle/>
+          <a:p>
+            <a:endParaRPr lang="ru-RU" sz="2800" b="0" strike="noStrike" spc="-1">
+              <a:solidFill>
+                <a:srgbClr val="000000"/>
+              </a:solidFill>
+              <a:latin typeface="Calibri"/>
+            </a:endParaRPr>
+          </a:p>
+        </p:txBody>
+      </p:sp>
+    </p:spTree>
+    <p:extLst>
+      <p:ext uri="{BB962C8B-B14F-4D97-AF65-F5344CB8AC3E}">
+        <p14:creationId xmlns:p14="http://schemas.microsoft.com/office/powerpoint/2010/main" val="285269434"/>
+      </p:ext>
+    </p:extLst>
+  </p:cSld>
+  <p:clrMapOvr>
+    <a:masterClrMapping/>
+  </p:clrMapOvr>
+</p:sldLayout>
+</file>
+
+<file path=ppt/slideLayouts/slideLayout22.xml><?xml version="1.0" encoding="utf-8"?>
+<p:sldLayout xmlns:a="http://schemas.openxmlformats.org/drawingml/2006/main" xmlns:r="http://schemas.openxmlformats.org/officeDocument/2006/relationships" xmlns:p="http://schemas.openxmlformats.org/presentationml/2006/main" type="fourObj" preserve="1">
+  <p:cSld name="Title, 4 Content">
+    <p:spTree>
+      <p:nvGrpSpPr>
+        <p:cNvPr id="1" name=""/>
+        <p:cNvGrpSpPr/>
+        <p:nvPr/>
+      </p:nvGrpSpPr>
+      <p:grpSpPr>
+        <a:xfrm>
+          <a:off x="0" y="0"/>
+          <a:ext cx="0" cy="0"/>
+          <a:chOff x="0" y="0"/>
+          <a:chExt cx="0" cy="0"/>
+        </a:xfrm>
+      </p:grpSpPr>
+      <p:sp>
+        <p:nvSpPr>
+          <p:cNvPr id="31" name="PlaceHolder 1"/>
+          <p:cNvSpPr>
+            <a:spLocks noGrp="1"/>
+          </p:cNvSpPr>
+          <p:nvPr>
+            <p:ph type="title"/>
+          </p:nvPr>
+        </p:nvSpPr>
+        <p:spPr>
+          <a:xfrm>
+            <a:off x="838080" y="365280"/>
+            <a:ext cx="10515360" cy="1325280"/>
+          </a:xfrm>
+          <a:prstGeom prst="rect">
+            <a:avLst/>
+          </a:prstGeom>
+        </p:spPr>
+        <p:txBody>
+          <a:bodyPr lIns="0" tIns="0" rIns="0" bIns="0" anchor="ctr">
+            <a:noAutofit/>
+          </a:bodyPr>
+          <a:lstStyle/>
+          <a:p>
+            <a:endParaRPr lang="ru-RU" sz="2400" b="0" strike="noStrike" spc="-1">
+              <a:solidFill>
+                <a:srgbClr val="000000"/>
+              </a:solidFill>
+              <a:latin typeface="Calibri"/>
+            </a:endParaRPr>
+          </a:p>
+        </p:txBody>
+      </p:sp>
+      <p:sp>
+        <p:nvSpPr>
+          <p:cNvPr id="32" name="PlaceHolder 2"/>
+          <p:cNvSpPr>
+            <a:spLocks noGrp="1"/>
+          </p:cNvSpPr>
+          <p:nvPr>
+            <p:ph type="body"/>
+          </p:nvPr>
+        </p:nvSpPr>
+        <p:spPr>
+          <a:xfrm>
+            <a:off x="838080" y="1825440"/>
+            <a:ext cx="5131200" cy="2075040"/>
+          </a:xfrm>
+          <a:prstGeom prst="rect">
+            <a:avLst/>
+          </a:prstGeom>
+        </p:spPr>
+        <p:txBody>
+          <a:bodyPr lIns="0" tIns="0" rIns="0" bIns="0">
+            <a:normAutofit/>
+          </a:bodyPr>
+          <a:lstStyle/>
+          <a:p>
+            <a:endParaRPr lang="ru-RU" sz="2800" b="0" strike="noStrike" spc="-1">
+              <a:solidFill>
+                <a:srgbClr val="000000"/>
+              </a:solidFill>
+              <a:latin typeface="Calibri"/>
+            </a:endParaRPr>
+          </a:p>
+        </p:txBody>
+      </p:sp>
+      <p:sp>
+        <p:nvSpPr>
+          <p:cNvPr id="33" name="PlaceHolder 3"/>
+          <p:cNvSpPr>
+            <a:spLocks noGrp="1"/>
+          </p:cNvSpPr>
+          <p:nvPr>
+            <p:ph type="body"/>
+          </p:nvPr>
+        </p:nvSpPr>
+        <p:spPr>
+          <a:xfrm>
+            <a:off x="6226560" y="1825440"/>
+            <a:ext cx="5131200" cy="2075040"/>
+          </a:xfrm>
+          <a:prstGeom prst="rect">
+            <a:avLst/>
+          </a:prstGeom>
+        </p:spPr>
+        <p:txBody>
+          <a:bodyPr lIns="0" tIns="0" rIns="0" bIns="0">
+            <a:normAutofit/>
+          </a:bodyPr>
+          <a:lstStyle/>
+          <a:p>
+            <a:endParaRPr lang="ru-RU" sz="2800" b="0" strike="noStrike" spc="-1">
+              <a:solidFill>
+                <a:srgbClr val="000000"/>
+              </a:solidFill>
+              <a:latin typeface="Calibri"/>
+            </a:endParaRPr>
+          </a:p>
+        </p:txBody>
+      </p:sp>
+      <p:sp>
+        <p:nvSpPr>
+          <p:cNvPr id="34" name="PlaceHolder 4"/>
+          <p:cNvSpPr>
+            <a:spLocks noGrp="1"/>
+          </p:cNvSpPr>
+          <p:nvPr>
+            <p:ph type="body"/>
+          </p:nvPr>
+        </p:nvSpPr>
+        <p:spPr>
+          <a:xfrm>
+            <a:off x="838080" y="4098240"/>
+            <a:ext cx="5131200" cy="2075040"/>
+          </a:xfrm>
+          <a:prstGeom prst="rect">
+            <a:avLst/>
+          </a:prstGeom>
+        </p:spPr>
+        <p:txBody>
+          <a:bodyPr lIns="0" tIns="0" rIns="0" bIns="0">
+            <a:normAutofit/>
+          </a:bodyPr>
+          <a:lstStyle/>
+          <a:p>
+            <a:endParaRPr lang="ru-RU" sz="2800" b="0" strike="noStrike" spc="-1">
+              <a:solidFill>
+                <a:srgbClr val="000000"/>
+              </a:solidFill>
+              <a:latin typeface="Calibri"/>
+            </a:endParaRPr>
+          </a:p>
+        </p:txBody>
+      </p:sp>
+      <p:sp>
+        <p:nvSpPr>
+          <p:cNvPr id="35" name="PlaceHolder 5"/>
+          <p:cNvSpPr>
+            <a:spLocks noGrp="1"/>
+          </p:cNvSpPr>
+          <p:nvPr>
+            <p:ph type="body"/>
+          </p:nvPr>
+        </p:nvSpPr>
+        <p:spPr>
+          <a:xfrm>
+            <a:off x="6226560" y="4098240"/>
+            <a:ext cx="5131200" cy="2075040"/>
+          </a:xfrm>
+          <a:prstGeom prst="rect">
+            <a:avLst/>
+          </a:prstGeom>
+        </p:spPr>
+        <p:txBody>
+          <a:bodyPr lIns="0" tIns="0" rIns="0" bIns="0">
+            <a:normAutofit/>
+          </a:bodyPr>
+          <a:lstStyle/>
+          <a:p>
+            <a:endParaRPr lang="ru-RU" sz="2800" b="0" strike="noStrike" spc="-1">
+              <a:solidFill>
+                <a:srgbClr val="000000"/>
+              </a:solidFill>
+              <a:latin typeface="Calibri"/>
+            </a:endParaRPr>
+          </a:p>
+        </p:txBody>
+      </p:sp>
+    </p:spTree>
+    <p:extLst>
+      <p:ext uri="{BB962C8B-B14F-4D97-AF65-F5344CB8AC3E}">
+        <p14:creationId xmlns:p14="http://schemas.microsoft.com/office/powerpoint/2010/main" val="2101951460"/>
+      </p:ext>
+    </p:extLst>
+  </p:cSld>
+  <p:clrMapOvr>
+    <a:masterClrMapping/>
+  </p:clrMapOvr>
+</p:sldLayout>
+</file>
+
+<file path=ppt/slideLayouts/slideLayout23.xml><?xml version="1.0" encoding="utf-8"?>
+<p:sldLayout xmlns:a="http://schemas.openxmlformats.org/drawingml/2006/main" xmlns:r="http://schemas.openxmlformats.org/officeDocument/2006/relationships" xmlns:p="http://schemas.openxmlformats.org/presentationml/2006/main" type="blank" preserve="1">
+  <p:cSld name="Title, 6 Content">
+    <p:spTree>
+      <p:nvGrpSpPr>
+        <p:cNvPr id="1" name=""/>
+        <p:cNvGrpSpPr/>
+        <p:nvPr/>
+      </p:nvGrpSpPr>
+      <p:grpSpPr>
+        <a:xfrm>
+          <a:off x="0" y="0"/>
+          <a:ext cx="0" cy="0"/>
+          <a:chOff x="0" y="0"/>
+          <a:chExt cx="0" cy="0"/>
+        </a:xfrm>
+      </p:grpSpPr>
+      <p:sp>
+        <p:nvSpPr>
+          <p:cNvPr id="36" name="PlaceHolder 1"/>
+          <p:cNvSpPr>
+            <a:spLocks noGrp="1"/>
+          </p:cNvSpPr>
+          <p:nvPr>
+            <p:ph type="title"/>
+          </p:nvPr>
+        </p:nvSpPr>
+        <p:spPr>
+          <a:xfrm>
+            <a:off x="838080" y="365280"/>
+            <a:ext cx="10515360" cy="1325280"/>
+          </a:xfrm>
+          <a:prstGeom prst="rect">
+            <a:avLst/>
+          </a:prstGeom>
+        </p:spPr>
+        <p:txBody>
+          <a:bodyPr lIns="0" tIns="0" rIns="0" bIns="0" anchor="ctr">
+            <a:noAutofit/>
+          </a:bodyPr>
+          <a:lstStyle/>
+          <a:p>
+            <a:endParaRPr lang="ru-RU" sz="2400" b="0" strike="noStrike" spc="-1">
+              <a:solidFill>
+                <a:srgbClr val="000000"/>
+              </a:solidFill>
+              <a:latin typeface="Calibri"/>
+            </a:endParaRPr>
+          </a:p>
+        </p:txBody>
+      </p:sp>
+      <p:sp>
+        <p:nvSpPr>
+          <p:cNvPr id="37" name="PlaceHolder 2"/>
+          <p:cNvSpPr>
+            <a:spLocks noGrp="1"/>
+          </p:cNvSpPr>
+          <p:nvPr>
+            <p:ph type="body"/>
+          </p:nvPr>
+        </p:nvSpPr>
+        <p:spPr>
+          <a:xfrm>
+            <a:off x="838080" y="1825440"/>
+            <a:ext cx="3385440" cy="2075040"/>
+          </a:xfrm>
+          <a:prstGeom prst="rect">
+            <a:avLst/>
+          </a:prstGeom>
+        </p:spPr>
+        <p:txBody>
+          <a:bodyPr lIns="0" tIns="0" rIns="0" bIns="0">
+            <a:normAutofit/>
+          </a:bodyPr>
+          <a:lstStyle/>
+          <a:p>
+            <a:endParaRPr lang="ru-RU" sz="2800" b="0" strike="noStrike" spc="-1">
+              <a:solidFill>
+                <a:srgbClr val="000000"/>
+              </a:solidFill>
+              <a:latin typeface="Calibri"/>
+            </a:endParaRPr>
+          </a:p>
+        </p:txBody>
+      </p:sp>
+      <p:sp>
+        <p:nvSpPr>
+          <p:cNvPr id="38" name="PlaceHolder 3"/>
+          <p:cNvSpPr>
+            <a:spLocks noGrp="1"/>
+          </p:cNvSpPr>
+          <p:nvPr>
+            <p:ph type="body"/>
+          </p:nvPr>
+        </p:nvSpPr>
+        <p:spPr>
+          <a:xfrm>
+            <a:off x="4393440" y="1825440"/>
+            <a:ext cx="3385440" cy="2075040"/>
+          </a:xfrm>
+          <a:prstGeom prst="rect">
+            <a:avLst/>
+          </a:prstGeom>
+        </p:spPr>
+        <p:txBody>
+          <a:bodyPr lIns="0" tIns="0" rIns="0" bIns="0">
+            <a:normAutofit/>
+          </a:bodyPr>
+          <a:lstStyle/>
+          <a:p>
+            <a:endParaRPr lang="ru-RU" sz="2800" b="0" strike="noStrike" spc="-1">
+              <a:solidFill>
+                <a:srgbClr val="000000"/>
+              </a:solidFill>
+              <a:latin typeface="Calibri"/>
+            </a:endParaRPr>
+          </a:p>
+        </p:txBody>
+      </p:sp>
+      <p:sp>
+        <p:nvSpPr>
+          <p:cNvPr id="39" name="PlaceHolder 4"/>
+          <p:cNvSpPr>
+            <a:spLocks noGrp="1"/>
+          </p:cNvSpPr>
+          <p:nvPr>
+            <p:ph type="body"/>
+          </p:nvPr>
+        </p:nvSpPr>
+        <p:spPr>
+          <a:xfrm>
+            <a:off x="7948320" y="1825440"/>
+            <a:ext cx="3385440" cy="2075040"/>
+          </a:xfrm>
+          <a:prstGeom prst="rect">
+            <a:avLst/>
+          </a:prstGeom>
+        </p:spPr>
+        <p:txBody>
+          <a:bodyPr lIns="0" tIns="0" rIns="0" bIns="0">
+            <a:normAutofit/>
+          </a:bodyPr>
+          <a:lstStyle/>
+          <a:p>
+            <a:endParaRPr lang="ru-RU" sz="2800" b="0" strike="noStrike" spc="-1">
+              <a:solidFill>
+                <a:srgbClr val="000000"/>
+              </a:solidFill>
+              <a:latin typeface="Calibri"/>
+            </a:endParaRPr>
+          </a:p>
+        </p:txBody>
+      </p:sp>
+      <p:sp>
+        <p:nvSpPr>
+          <p:cNvPr id="40" name="PlaceHolder 5"/>
+          <p:cNvSpPr>
+            <a:spLocks noGrp="1"/>
+          </p:cNvSpPr>
+          <p:nvPr>
+            <p:ph type="body"/>
+          </p:nvPr>
+        </p:nvSpPr>
+        <p:spPr>
+          <a:xfrm>
+            <a:off x="838080" y="4098240"/>
+            <a:ext cx="3385440" cy="2075040"/>
+          </a:xfrm>
+          <a:prstGeom prst="rect">
+            <a:avLst/>
+          </a:prstGeom>
+        </p:spPr>
+        <p:txBody>
+          <a:bodyPr lIns="0" tIns="0" rIns="0" bIns="0">
+            <a:normAutofit/>
+          </a:bodyPr>
+          <a:lstStyle/>
+          <a:p>
+            <a:endParaRPr lang="ru-RU" sz="2800" b="0" strike="noStrike" spc="-1">
+              <a:solidFill>
+                <a:srgbClr val="000000"/>
+              </a:solidFill>
+              <a:latin typeface="Calibri"/>
+            </a:endParaRPr>
+          </a:p>
+        </p:txBody>
+      </p:sp>
+      <p:sp>
+        <p:nvSpPr>
+          <p:cNvPr id="41" name="PlaceHolder 6"/>
+          <p:cNvSpPr>
+            <a:spLocks noGrp="1"/>
+          </p:cNvSpPr>
+          <p:nvPr>
+            <p:ph type="body"/>
+          </p:nvPr>
+        </p:nvSpPr>
+        <p:spPr>
+          <a:xfrm>
+            <a:off x="4393440" y="4098240"/>
+            <a:ext cx="3385440" cy="2075040"/>
+          </a:xfrm>
+          <a:prstGeom prst="rect">
+            <a:avLst/>
+          </a:prstGeom>
+        </p:spPr>
+        <p:txBody>
+          <a:bodyPr lIns="0" tIns="0" rIns="0" bIns="0">
+            <a:normAutofit/>
+          </a:bodyPr>
+          <a:lstStyle/>
+          <a:p>
+            <a:endParaRPr lang="ru-RU" sz="2800" b="0" strike="noStrike" spc="-1">
+              <a:solidFill>
+                <a:srgbClr val="000000"/>
+              </a:solidFill>
+              <a:latin typeface="Calibri"/>
+            </a:endParaRPr>
+          </a:p>
+        </p:txBody>
+      </p:sp>
+      <p:sp>
+        <p:nvSpPr>
+          <p:cNvPr id="42" name="PlaceHolder 7"/>
+          <p:cNvSpPr>
+            <a:spLocks noGrp="1"/>
+          </p:cNvSpPr>
+          <p:nvPr>
+            <p:ph type="body"/>
+          </p:nvPr>
+        </p:nvSpPr>
+        <p:spPr>
+          <a:xfrm>
+            <a:off x="7948320" y="4098240"/>
+            <a:ext cx="3385440" cy="2075040"/>
+          </a:xfrm>
+          <a:prstGeom prst="rect">
+            <a:avLst/>
+          </a:prstGeom>
+        </p:spPr>
+        <p:txBody>
+          <a:bodyPr lIns="0" tIns="0" rIns="0" bIns="0">
+            <a:normAutofit/>
+          </a:bodyPr>
+          <a:lstStyle/>
+          <a:p>
+            <a:endParaRPr lang="ru-RU" sz="2800" b="0" strike="noStrike" spc="-1">
+              <a:solidFill>
+                <a:srgbClr val="000000"/>
+              </a:solidFill>
+              <a:latin typeface="Calibri"/>
+            </a:endParaRPr>
+          </a:p>
+        </p:txBody>
+      </p:sp>
+    </p:spTree>
+    <p:extLst>
+      <p:ext uri="{BB962C8B-B14F-4D97-AF65-F5344CB8AC3E}">
+        <p14:creationId xmlns:p14="http://schemas.microsoft.com/office/powerpoint/2010/main" val="639530943"/>
+      </p:ext>
+    </p:extLst>
+  </p:cSld>
+  <p:clrMapOvr>
+    <a:masterClrMapping/>
+  </p:clrMapOvr>
+</p:sldLayout>
+</file>
+
+<file path=ppt/slideLayouts/slideLayout24.xml><?xml version="1.0" encoding="utf-8"?>
+<p:sldLayout xmlns:a="http://schemas.openxmlformats.org/drawingml/2006/main" xmlns:r="http://schemas.openxmlformats.org/officeDocument/2006/relationships" xmlns:p="http://schemas.openxmlformats.org/presentationml/2006/main" showMasterSp="0" userDrawn="1">
+  <p:cSld name="Titel und Inhalt">
+    <p:spTree>
+      <p:nvGrpSpPr>
+        <p:cNvPr id="1" name=""/>
+        <p:cNvGrpSpPr/>
+        <p:nvPr/>
+      </p:nvGrpSpPr>
+      <p:grpSpPr>
+        <a:xfrm>
+          <a:off x="0" y="0"/>
+          <a:ext cx="0" cy="0"/>
+          <a:chOff x="0" y="0"/>
+          <a:chExt cx="0" cy="0"/>
+        </a:xfrm>
+      </p:grpSpPr>
+      <p:sp>
+        <p:nvSpPr>
+          <p:cNvPr id="5" name="Заголовок 4"/>
+          <p:cNvSpPr>
+            <a:spLocks noGrp="1"/>
+          </p:cNvSpPr>
+          <p:nvPr>
+            <p:ph type="title"/>
+          </p:nvPr>
+        </p:nvSpPr>
+        <p:spPr/>
+        <p:txBody>
+          <a:bodyPr/>
+          <a:lstStyle/>
+          <a:p>
+            <a:r>
+              <a:rPr lang="ru-RU"/>
+              <a:t>Образец заголовка</a:t>
+            </a:r>
+          </a:p>
+        </p:txBody>
+      </p:sp>
+      <p:sp>
+        <p:nvSpPr>
+          <p:cNvPr id="7" name="Объект 6"/>
+          <p:cNvSpPr>
+            <a:spLocks noGrp="1"/>
+          </p:cNvSpPr>
+          <p:nvPr>
+            <p:ph sz="quarter" idx="11"/>
+          </p:nvPr>
+        </p:nvSpPr>
+        <p:spPr>
+          <a:xfrm>
+            <a:off x="645584" y="1617663"/>
+            <a:ext cx="10972800" cy="4500000"/>
+          </a:xfrm>
+        </p:spPr>
+        <p:txBody>
+          <a:bodyPr/>
+          <a:lstStyle/>
+          <a:p>
+            <a:pPr lvl="0"/>
+            <a:r>
+              <a:rPr lang="ru-RU"/>
+              <a:t>Образец текста</a:t>
+            </a:r>
+          </a:p>
+          <a:p>
+            <a:pPr lvl="1"/>
+            <a:r>
+              <a:rPr lang="ru-RU"/>
+              <a:t>Второй уровень</a:t>
+            </a:r>
+          </a:p>
+          <a:p>
+            <a:pPr lvl="2"/>
+            <a:r>
+              <a:rPr lang="ru-RU"/>
+              <a:t>Третий уровень</a:t>
+            </a:r>
+          </a:p>
+        </p:txBody>
+      </p:sp>
+      <p:sp>
+        <p:nvSpPr>
+          <p:cNvPr id="8" name="Нижний колонтитул 7"/>
+          <p:cNvSpPr>
+            <a:spLocks noGrp="1"/>
+          </p:cNvSpPr>
+          <p:nvPr>
+            <p:ph type="ftr" sz="quarter" idx="12"/>
+          </p:nvPr>
+        </p:nvSpPr>
+        <p:spPr>
+          <a:xfrm>
+            <a:off x="4176000" y="6398075"/>
+            <a:ext cx="3840000" cy="360000"/>
+          </a:xfrm>
+          <a:prstGeom prst="rect">
+            <a:avLst/>
+          </a:prstGeom>
+        </p:spPr>
+        <p:txBody>
+          <a:bodyPr/>
+          <a:lstStyle/>
+          <a:p>
+            <a:r>
+              <a:rPr lang="ru-RU"/>
+              <a:t>Нижний колонтитул</a:t>
+            </a:r>
+            <a:endParaRPr lang="ru-RU" dirty="0"/>
+          </a:p>
+        </p:txBody>
+      </p:sp>
+    </p:spTree>
+    <p:extLst>
+      <p:ext uri="{BB962C8B-B14F-4D97-AF65-F5344CB8AC3E}">
+        <p14:creationId xmlns:p14="http://schemas.microsoft.com/office/powerpoint/2010/main" val="4275260358"/>
+      </p:ext>
+    </p:extLst>
+  </p:cSld>
+  <p:clrMapOvr>
+    <a:masterClrMapping/>
+  </p:clrMapOvr>
+</p:sldLayout>
+</file>
+
+<file path=ppt/slideLayouts/slideLayout25.xml><?xml version="1.0" encoding="utf-8"?>
+<p:sldLayout xmlns:a="http://schemas.openxmlformats.org/drawingml/2006/main" xmlns:r="http://schemas.openxmlformats.org/officeDocument/2006/relationships" xmlns:p="http://schemas.openxmlformats.org/presentationml/2006/main" type="title">
+  <p:cSld name="Титульный слайд">
+    <p:spTree>
+      <p:nvGrpSpPr>
+        <p:cNvPr id="1" name=""/>
+        <p:cNvGrpSpPr/>
+        <p:nvPr/>
+      </p:nvGrpSpPr>
+      <p:grpSpPr>
+        <a:xfrm>
+          <a:off x="0" y="0"/>
+          <a:ext cx="0" cy="0"/>
+          <a:chOff x="0" y="0"/>
+          <a:chExt cx="0" cy="0"/>
+        </a:xfrm>
+      </p:grpSpPr>
+      <p:sp>
+        <p:nvSpPr>
+          <p:cNvPr id="2" name="Заголовок 1">
+            <a:extLst>
+              <a:ext uri="{FF2B5EF4-FFF2-40B4-BE49-F238E27FC236}">
+                <a16:creationId xmlns:a16="http://schemas.microsoft.com/office/drawing/2014/main" id="{021FF6B9-6C7F-4C1B-8747-C0E19B7B7DF0}"/>
+              </a:ext>
+            </a:extLst>
+          </p:cNvPr>
+          <p:cNvSpPr>
+            <a:spLocks noGrp="1"/>
+          </p:cNvSpPr>
+          <p:nvPr>
+            <p:ph type="ctrTitle"/>
+          </p:nvPr>
+        </p:nvSpPr>
+        <p:spPr>
+          <a:xfrm>
+            <a:off x="1524000" y="1122363"/>
+            <a:ext cx="9144000" cy="2387600"/>
+          </a:xfrm>
+        </p:spPr>
+        <p:txBody>
+          <a:bodyPr anchor="b"/>
+          <a:lstStyle>
+            <a:lvl1pPr algn="ctr">
+              <a:defRPr sz="6000"/>
+            </a:lvl1pPr>
+          </a:lstStyle>
+          <a:p>
+            <a:r>
+              <a:rPr lang="ru-RU"/>
+              <a:t>Образец заголовка</a:t>
+            </a:r>
+          </a:p>
+        </p:txBody>
+      </p:sp>
+      <p:sp>
+        <p:nvSpPr>
+          <p:cNvPr id="3" name="Подзаголовок 2">
+            <a:extLst>
+              <a:ext uri="{FF2B5EF4-FFF2-40B4-BE49-F238E27FC236}">
+                <a16:creationId xmlns:a16="http://schemas.microsoft.com/office/drawing/2014/main" id="{D2570718-41B5-48DC-8312-8489EE4DF099}"/>
+              </a:ext>
+            </a:extLst>
+          </p:cNvPr>
+          <p:cNvSpPr>
+            <a:spLocks noGrp="1"/>
+          </p:cNvSpPr>
+          <p:nvPr>
+            <p:ph type="subTitle" idx="1"/>
+          </p:nvPr>
+        </p:nvSpPr>
+        <p:spPr>
+          <a:xfrm>
+            <a:off x="1524000" y="3602037"/>
+            <a:ext cx="9144000" cy="1655763"/>
+          </a:xfrm>
+        </p:spPr>
+        <p:txBody>
+          <a:bodyPr/>
+          <a:lstStyle>
+            <a:lvl1pPr marL="0" indent="0" algn="ctr">
+              <a:buNone/>
+              <a:defRPr sz="2400"/>
+            </a:lvl1pPr>
+            <a:lvl2pPr marL="457178" indent="0" algn="ctr">
+              <a:buNone/>
+              <a:defRPr sz="2000"/>
+            </a:lvl2pPr>
+            <a:lvl3pPr marL="914354" indent="0" algn="ctr">
+              <a:buNone/>
+              <a:defRPr sz="1800"/>
+            </a:lvl3pPr>
+            <a:lvl4pPr marL="1371532" indent="0" algn="ctr">
+              <a:buNone/>
+              <a:defRPr sz="1600"/>
+            </a:lvl4pPr>
+            <a:lvl5pPr marL="1828709" indent="0" algn="ctr">
+              <a:buNone/>
+              <a:defRPr sz="1600"/>
+            </a:lvl5pPr>
+            <a:lvl6pPr marL="2285886" indent="0" algn="ctr">
+              <a:buNone/>
+              <a:defRPr sz="1600"/>
+            </a:lvl6pPr>
+            <a:lvl7pPr marL="2743062" indent="0" algn="ctr">
+              <a:buNone/>
+              <a:defRPr sz="1600"/>
+            </a:lvl7pPr>
+            <a:lvl8pPr marL="3200240" indent="0" algn="ctr">
+              <a:buNone/>
+              <a:defRPr sz="1600"/>
+            </a:lvl8pPr>
+            <a:lvl9pPr marL="3657418" indent="0" algn="ctr">
+              <a:buNone/>
+              <a:defRPr sz="1600"/>
+            </a:lvl9pPr>
+          </a:lstStyle>
+          <a:p>
+            <a:r>
+              <a:rPr lang="ru-RU"/>
+              <a:t>Образец подзаголовка</a:t>
+            </a:r>
+          </a:p>
+        </p:txBody>
+      </p:sp>
+      <p:sp>
+        <p:nvSpPr>
+          <p:cNvPr id="4" name="Дата 3">
+            <a:extLst>
+              <a:ext uri="{FF2B5EF4-FFF2-40B4-BE49-F238E27FC236}">
+                <a16:creationId xmlns:a16="http://schemas.microsoft.com/office/drawing/2014/main" id="{F75B52F1-46A2-46BB-936E-89C2BF9312A2}"/>
+              </a:ext>
+            </a:extLst>
+          </p:cNvPr>
+          <p:cNvSpPr>
+            <a:spLocks noGrp="1"/>
+          </p:cNvSpPr>
+          <p:nvPr>
+            <p:ph type="dt" sz="half" idx="10"/>
+          </p:nvPr>
+        </p:nvSpPr>
+        <p:spPr/>
+        <p:txBody>
+          <a:bodyPr/>
+          <a:lstStyle/>
+          <a:p>
+            <a:fld id="{EF790F8C-5FB9-4EFE-BCC7-F735A3026FD8}" type="datetimeFigureOut">
+              <a:rPr lang="ru-RU" smtClean="0"/>
+              <a:t>19.09.2024</a:t>
+            </a:fld>
+            <a:endParaRPr lang="ru-RU"/>
+          </a:p>
+        </p:txBody>
+      </p:sp>
+      <p:sp>
+        <p:nvSpPr>
+          <p:cNvPr id="5" name="Нижний колонтитул 4">
+            <a:extLst>
+              <a:ext uri="{FF2B5EF4-FFF2-40B4-BE49-F238E27FC236}">
+                <a16:creationId xmlns:a16="http://schemas.microsoft.com/office/drawing/2014/main" id="{C4198FDE-1923-462C-9DED-45DD19A56C39}"/>
+              </a:ext>
+            </a:extLst>
+          </p:cNvPr>
+          <p:cNvSpPr>
+            <a:spLocks noGrp="1"/>
+          </p:cNvSpPr>
+          <p:nvPr>
+            <p:ph type="ftr" sz="quarter" idx="11"/>
+          </p:nvPr>
+        </p:nvSpPr>
+        <p:spPr/>
+        <p:txBody>
+          <a:bodyPr/>
+          <a:lstStyle/>
+          <a:p>
+            <a:endParaRPr lang="ru-RU"/>
+          </a:p>
+        </p:txBody>
+      </p:sp>
+      <p:sp>
+        <p:nvSpPr>
+          <p:cNvPr id="6" name="Номер слайда 5">
+            <a:extLst>
+              <a:ext uri="{FF2B5EF4-FFF2-40B4-BE49-F238E27FC236}">
+                <a16:creationId xmlns:a16="http://schemas.microsoft.com/office/drawing/2014/main" id="{72C2C86E-E221-42EE-B1FF-D007F0DD1F77}"/>
+              </a:ext>
+            </a:extLst>
+          </p:cNvPr>
+          <p:cNvSpPr>
+            <a:spLocks noGrp="1"/>
+          </p:cNvSpPr>
+          <p:nvPr>
+            <p:ph type="sldNum" sz="quarter" idx="12"/>
+          </p:nvPr>
+        </p:nvSpPr>
+        <p:spPr/>
+        <p:txBody>
+          <a:bodyPr/>
+          <a:lstStyle/>
+          <a:p>
+            <a:fld id="{6D691D55-44CC-4FEC-81B8-DCF2DD6927BA}" type="slidenum">
+              <a:rPr lang="ru-RU" smtClean="0"/>
+              <a:t>‹#›</a:t>
+            </a:fld>
+            <a:endParaRPr lang="ru-RU"/>
+          </a:p>
+        </p:txBody>
+      </p:sp>
+    </p:spTree>
+    <p:extLst>
+      <p:ext uri="{BB962C8B-B14F-4D97-AF65-F5344CB8AC3E}">
+        <p14:creationId xmlns:p14="http://schemas.microsoft.com/office/powerpoint/2010/main" val="3560366462"/>
       </p:ext>
     </p:extLst>
   </p:cSld>
@@ -1142,7 +3074,7 @@
           <a:p>
             <a:fld id="{EF790F8C-5FB9-4EFE-BCC7-F735A3026FD8}" type="datetimeFigureOut">
               <a:rPr lang="ru-RU" smtClean="0"/>
-              <a:t>11.09.2024</a:t>
+              <a:t>19.09.2024</a:t>
             </a:fld>
             <a:endParaRPr lang="ru-RU"/>
           </a:p>
@@ -1407,7 +3339,7 @@
           <a:p>
             <a:fld id="{EF790F8C-5FB9-4EFE-BCC7-F735A3026FD8}" type="datetimeFigureOut">
               <a:rPr lang="ru-RU" smtClean="0"/>
-              <a:t>11.09.2024</a:t>
+              <a:t>19.09.2024</a:t>
             </a:fld>
             <a:endParaRPr lang="ru-RU"/>
           </a:p>
@@ -1819,7 +3751,7 @@
           <a:p>
             <a:fld id="{EF790F8C-5FB9-4EFE-BCC7-F735A3026FD8}" type="datetimeFigureOut">
               <a:rPr lang="ru-RU" smtClean="0"/>
-              <a:t>11.09.2024</a:t>
+              <a:t>19.09.2024</a:t>
             </a:fld>
             <a:endParaRPr lang="ru-RU"/>
           </a:p>
@@ -1960,7 +3892,7 @@
           <a:p>
             <a:fld id="{EF790F8C-5FB9-4EFE-BCC7-F735A3026FD8}" type="datetimeFigureOut">
               <a:rPr lang="ru-RU" smtClean="0"/>
-              <a:t>11.09.2024</a:t>
+              <a:t>19.09.2024</a:t>
             </a:fld>
             <a:endParaRPr lang="ru-RU"/>
           </a:p>
@@ -2073,7 +4005,7 @@
           <a:p>
             <a:fld id="{EF790F8C-5FB9-4EFE-BCC7-F735A3026FD8}" type="datetimeFigureOut">
               <a:rPr lang="ru-RU" smtClean="0"/>
-              <a:t>11.09.2024</a:t>
+              <a:t>19.09.2024</a:t>
             </a:fld>
             <a:endParaRPr lang="ru-RU"/>
           </a:p>
@@ -2384,7 +4316,7 @@
           <a:p>
             <a:fld id="{EF790F8C-5FB9-4EFE-BCC7-F735A3026FD8}" type="datetimeFigureOut">
               <a:rPr lang="ru-RU" smtClean="0"/>
-              <a:t>11.09.2024</a:t>
+              <a:t>19.09.2024</a:t>
             </a:fld>
             <a:endParaRPr lang="ru-RU"/>
           </a:p>
@@ -2672,7 +4604,7 @@
           <a:p>
             <a:fld id="{EF790F8C-5FB9-4EFE-BCC7-F735A3026FD8}" type="datetimeFigureOut">
               <a:rPr lang="ru-RU" smtClean="0"/>
-              <a:t>11.09.2024</a:t>
+              <a:t>19.09.2024</a:t>
             </a:fld>
             <a:endParaRPr lang="ru-RU"/>
           </a:p>
@@ -2913,7 +4845,7 @@
           <a:p>
             <a:fld id="{EF790F8C-5FB9-4EFE-BCC7-F735A3026FD8}" type="datetimeFigureOut">
               <a:rPr lang="ru-RU" smtClean="0"/>
-              <a:t>11.09.2024</a:t>
+              <a:t>19.09.2024</a:t>
             </a:fld>
             <a:endParaRPr lang="ru-RU"/>
           </a:p>
@@ -3313,7 +5245,923 @@
 </p:sldMaster>
 </file>
 
+<file path=ppt/slideMasters/slideMaster2.xml><?xml version="1.0" encoding="utf-8"?>
+<p:sldMaster xmlns:a="http://schemas.openxmlformats.org/drawingml/2006/main" xmlns:r="http://schemas.openxmlformats.org/officeDocument/2006/relationships" xmlns:p="http://schemas.openxmlformats.org/presentationml/2006/main">
+  <p:cSld>
+    <p:bg>
+      <p:bgPr>
+        <a:solidFill>
+          <a:srgbClr val="FFFFFF"/>
+        </a:solidFill>
+        <a:effectLst/>
+      </p:bgPr>
+    </p:bg>
+    <p:spTree>
+      <p:nvGrpSpPr>
+        <p:cNvPr id="1" name=""/>
+        <p:cNvGrpSpPr/>
+        <p:nvPr/>
+      </p:nvGrpSpPr>
+      <p:grpSpPr>
+        <a:xfrm>
+          <a:off x="0" y="0"/>
+          <a:ext cx="0" cy="0"/>
+          <a:chOff x="0" y="0"/>
+          <a:chExt cx="0" cy="0"/>
+        </a:xfrm>
+      </p:grpSpPr>
+      <p:sp>
+        <p:nvSpPr>
+          <p:cNvPr id="7" name="PlaceHolder 1"/>
+          <p:cNvSpPr>
+            <a:spLocks noGrp="1"/>
+          </p:cNvSpPr>
+          <p:nvPr>
+            <p:ph type="title"/>
+          </p:nvPr>
+        </p:nvSpPr>
+        <p:spPr>
+          <a:xfrm>
+            <a:off x="838080" y="365280"/>
+            <a:ext cx="10515360" cy="1325280"/>
+          </a:xfrm>
+          <a:prstGeom prst="rect">
+            <a:avLst/>
+          </a:prstGeom>
+        </p:spPr>
+        <p:txBody>
+          <a:bodyPr anchor="ctr">
+            <a:noAutofit/>
+          </a:bodyPr>
+          <a:lstStyle/>
+          <a:p>
+            <a:pPr>
+              <a:lnSpc>
+                <a:spcPct val="90000"/>
+              </a:lnSpc>
+            </a:pPr>
+            <a:r>
+              <a:rPr lang="ru-RU" sz="4400" b="0" strike="noStrike" spc="-1">
+                <a:solidFill>
+                  <a:srgbClr val="000000"/>
+                </a:solidFill>
+                <a:latin typeface="Calibri Light"/>
+              </a:rPr>
+              <a:t>Образец заголовка</a:t>
+            </a:r>
+            <a:endParaRPr lang="ru-RU" sz="4400" b="0" strike="noStrike" spc="-1">
+              <a:solidFill>
+                <a:srgbClr val="000000"/>
+              </a:solidFill>
+              <a:latin typeface="Calibri"/>
+            </a:endParaRPr>
+          </a:p>
+        </p:txBody>
+      </p:sp>
+      <p:sp>
+        <p:nvSpPr>
+          <p:cNvPr id="8" name="PlaceHolder 2"/>
+          <p:cNvSpPr>
+            <a:spLocks noGrp="1"/>
+          </p:cNvSpPr>
+          <p:nvPr>
+            <p:ph type="body"/>
+          </p:nvPr>
+        </p:nvSpPr>
+        <p:spPr>
+          <a:xfrm>
+            <a:off x="838080" y="1825440"/>
+            <a:ext cx="10515360" cy="4350720"/>
+          </a:xfrm>
+          <a:prstGeom prst="rect">
+            <a:avLst/>
+          </a:prstGeom>
+        </p:spPr>
+        <p:txBody>
+          <a:bodyPr>
+            <a:noAutofit/>
+          </a:bodyPr>
+          <a:lstStyle/>
+          <a:p>
+            <a:pPr marL="171360" indent="-171000">
+              <a:lnSpc>
+                <a:spcPct val="90000"/>
+              </a:lnSpc>
+              <a:spcBef>
+                <a:spcPts val="751"/>
+              </a:spcBef>
+              <a:buClr>
+                <a:srgbClr val="000000"/>
+              </a:buClr>
+              <a:buFont typeface="Arial"/>
+              <a:buChar char="•"/>
+            </a:pPr>
+            <a:r>
+              <a:rPr lang="ru-RU" sz="2800" b="0" strike="noStrike" spc="-1">
+                <a:solidFill>
+                  <a:srgbClr val="000000"/>
+                </a:solidFill>
+                <a:latin typeface="Calibri"/>
+              </a:rPr>
+              <a:t>Образец текста</a:t>
+            </a:r>
+          </a:p>
+          <a:p>
+            <a:pPr marL="685903" lvl="1" indent="-227994">
+              <a:lnSpc>
+                <a:spcPct val="90000"/>
+              </a:lnSpc>
+              <a:spcBef>
+                <a:spcPts val="499"/>
+              </a:spcBef>
+              <a:buClr>
+                <a:srgbClr val="000000"/>
+              </a:buClr>
+              <a:buFont typeface="Arial"/>
+              <a:buChar char="•"/>
+            </a:pPr>
+            <a:r>
+              <a:rPr lang="ru-RU" sz="2400" b="0" strike="noStrike" spc="-1">
+                <a:solidFill>
+                  <a:srgbClr val="000000"/>
+                </a:solidFill>
+                <a:latin typeface="Calibri"/>
+              </a:rPr>
+              <a:t>Второй уровень</a:t>
+            </a:r>
+          </a:p>
+          <a:p>
+            <a:pPr marL="1142851" lvl="2" indent="-227994">
+              <a:lnSpc>
+                <a:spcPct val="90000"/>
+              </a:lnSpc>
+              <a:spcBef>
+                <a:spcPts val="499"/>
+              </a:spcBef>
+              <a:buClr>
+                <a:srgbClr val="000000"/>
+              </a:buClr>
+              <a:buFont typeface="Arial"/>
+              <a:buChar char="•"/>
+            </a:pPr>
+            <a:r>
+              <a:rPr lang="ru-RU" sz="2000" b="0" strike="noStrike" spc="-1">
+                <a:solidFill>
+                  <a:srgbClr val="000000"/>
+                </a:solidFill>
+                <a:latin typeface="Calibri"/>
+              </a:rPr>
+              <a:t>Третий уровень</a:t>
+            </a:r>
+          </a:p>
+          <a:p>
+            <a:pPr marL="1600280" lvl="3" indent="-227994">
+              <a:lnSpc>
+                <a:spcPct val="90000"/>
+              </a:lnSpc>
+              <a:spcBef>
+                <a:spcPts val="499"/>
+              </a:spcBef>
+              <a:buClr>
+                <a:srgbClr val="000000"/>
+              </a:buClr>
+              <a:buFont typeface="Arial"/>
+              <a:buChar char="•"/>
+            </a:pPr>
+            <a:r>
+              <a:rPr lang="ru-RU" sz="1800" b="0" strike="noStrike" spc="-1">
+                <a:solidFill>
+                  <a:srgbClr val="000000"/>
+                </a:solidFill>
+                <a:latin typeface="Calibri"/>
+              </a:rPr>
+              <a:t>Четвертый уровень</a:t>
+            </a:r>
+          </a:p>
+          <a:p>
+            <a:pPr marL="2057229" lvl="4" indent="-227994">
+              <a:lnSpc>
+                <a:spcPct val="90000"/>
+              </a:lnSpc>
+              <a:spcBef>
+                <a:spcPts val="499"/>
+              </a:spcBef>
+              <a:buClr>
+                <a:srgbClr val="000000"/>
+              </a:buClr>
+              <a:buFont typeface="Arial"/>
+              <a:buChar char="•"/>
+            </a:pPr>
+            <a:r>
+              <a:rPr lang="ru-RU" sz="1800" b="0" strike="noStrike" spc="-1">
+                <a:solidFill>
+                  <a:srgbClr val="000000"/>
+                </a:solidFill>
+                <a:latin typeface="Calibri"/>
+              </a:rPr>
+              <a:t>Пятый уровень</a:t>
+            </a:r>
+          </a:p>
+        </p:txBody>
+      </p:sp>
+      <p:sp>
+        <p:nvSpPr>
+          <p:cNvPr id="2" name="PlaceHolder 3"/>
+          <p:cNvSpPr>
+            <a:spLocks noGrp="1"/>
+          </p:cNvSpPr>
+          <p:nvPr>
+            <p:ph type="dt"/>
+          </p:nvPr>
+        </p:nvSpPr>
+        <p:spPr>
+          <a:xfrm>
+            <a:off x="838080" y="6356160"/>
+            <a:ext cx="2742720" cy="364800"/>
+          </a:xfrm>
+          <a:prstGeom prst="rect">
+            <a:avLst/>
+          </a:prstGeom>
+        </p:spPr>
+        <p:txBody>
+          <a:bodyPr anchor="ctr">
+            <a:noAutofit/>
+          </a:bodyPr>
+          <a:lstStyle/>
+          <a:p>
+            <a:endParaRPr lang="ru-RU" sz="3200" b="0" strike="noStrike" spc="-1">
+              <a:latin typeface="Times New Roman"/>
+            </a:endParaRPr>
+          </a:p>
+        </p:txBody>
+      </p:sp>
+      <p:sp>
+        <p:nvSpPr>
+          <p:cNvPr id="3" name="PlaceHolder 4"/>
+          <p:cNvSpPr>
+            <a:spLocks noGrp="1"/>
+          </p:cNvSpPr>
+          <p:nvPr>
+            <p:ph type="ftr"/>
+          </p:nvPr>
+        </p:nvSpPr>
+        <p:spPr>
+          <a:xfrm>
+            <a:off x="4038720" y="6356160"/>
+            <a:ext cx="4114560" cy="364800"/>
+          </a:xfrm>
+          <a:prstGeom prst="rect">
+            <a:avLst/>
+          </a:prstGeom>
+        </p:spPr>
+        <p:txBody>
+          <a:bodyPr anchor="ctr">
+            <a:noAutofit/>
+          </a:bodyPr>
+          <a:lstStyle/>
+          <a:p>
+            <a:endParaRPr lang="ru-RU" sz="3200" b="0" strike="noStrike" spc="-1">
+              <a:latin typeface="Times New Roman"/>
+            </a:endParaRPr>
+          </a:p>
+        </p:txBody>
+      </p:sp>
+      <p:sp>
+        <p:nvSpPr>
+          <p:cNvPr id="4" name="PlaceHolder 5"/>
+          <p:cNvSpPr>
+            <a:spLocks noGrp="1"/>
+          </p:cNvSpPr>
+          <p:nvPr>
+            <p:ph type="sldNum"/>
+          </p:nvPr>
+        </p:nvSpPr>
+        <p:spPr>
+          <a:xfrm>
+            <a:off x="8610720" y="6356160"/>
+            <a:ext cx="2742720" cy="364800"/>
+          </a:xfrm>
+          <a:prstGeom prst="rect">
+            <a:avLst/>
+          </a:prstGeom>
+        </p:spPr>
+        <p:txBody>
+          <a:bodyPr anchor="ctr">
+            <a:noAutofit/>
+          </a:bodyPr>
+          <a:lstStyle/>
+          <a:p>
+            <a:pPr algn="r">
+              <a:tabLst>
+                <a:tab pos="0" algn="l"/>
+              </a:tabLst>
+            </a:pPr>
+            <a:fld id="{05EF2BE1-C6B1-44D9-AC14-847FE245C45E}" type="slidenum">
+              <a:rPr lang="en-US" sz="1200" spc="-1" smtClean="0">
+                <a:solidFill>
+                  <a:srgbClr val="8B8B8B"/>
+                </a:solidFill>
+                <a:latin typeface="Calibri"/>
+              </a:rPr>
+              <a:pPr algn="r">
+                <a:tabLst>
+                  <a:tab pos="0" algn="l"/>
+                </a:tabLst>
+              </a:pPr>
+              <a:t>‹#›</a:t>
+            </a:fld>
+            <a:endParaRPr lang="ru-RU" sz="1200" spc="-1">
+              <a:latin typeface="Times New Roman"/>
+            </a:endParaRPr>
+          </a:p>
+        </p:txBody>
+      </p:sp>
+      <p:sp>
+        <p:nvSpPr>
+          <p:cNvPr id="5" name="CustomShape 6"/>
+          <p:cNvSpPr/>
+          <p:nvPr/>
+        </p:nvSpPr>
+        <p:spPr>
+          <a:xfrm>
+            <a:off x="9508320" y="5517120"/>
+            <a:ext cx="2302080" cy="1021440"/>
+          </a:xfrm>
+          <a:custGeom>
+            <a:avLst/>
+            <a:gdLst/>
+            <a:ahLst/>
+            <a:cxnLst/>
+            <a:rect l="l" t="t" r="r" b="b"/>
+            <a:pathLst>
+              <a:path w="3983913" h="1593565">
+                <a:moveTo>
+                  <a:pt x="0" y="0"/>
+                </a:moveTo>
+                <a:lnTo>
+                  <a:pt x="3983912" y="0"/>
+                </a:lnTo>
+                <a:lnTo>
+                  <a:pt x="3983912" y="1593565"/>
+                </a:lnTo>
+                <a:lnTo>
+                  <a:pt x="0" y="1593565"/>
+                </a:lnTo>
+                <a:lnTo>
+                  <a:pt x="0" y="0"/>
+                </a:lnTo>
+                <a:close/>
+              </a:path>
+            </a:pathLst>
+          </a:custGeom>
+          <a:blipFill rotWithShape="0">
+            <a:blip r:embed="rId16"/>
+            <a:stretch/>
+          </a:blipFill>
+          <a:ln w="0">
+            <a:noFill/>
+          </a:ln>
+        </p:spPr>
+        <p:style>
+          <a:lnRef idx="0">
+            <a:scrgbClr r="0" g="0" b="0"/>
+          </a:lnRef>
+          <a:fillRef idx="0">
+            <a:scrgbClr r="0" g="0" b="0"/>
+          </a:fillRef>
+          <a:effectRef idx="0">
+            <a:scrgbClr r="0" g="0" b="0"/>
+          </a:effectRef>
+          <a:fontRef idx="minor"/>
+        </p:style>
+      </p:sp>
+      <p:sp>
+        <p:nvSpPr>
+          <p:cNvPr id="6" name="CustomShape 7"/>
+          <p:cNvSpPr/>
+          <p:nvPr/>
+        </p:nvSpPr>
+        <p:spPr>
+          <a:xfrm rot="19974000">
+            <a:off x="6958080" y="-3098400"/>
+            <a:ext cx="6575520" cy="5370720"/>
+          </a:xfrm>
+          <a:custGeom>
+            <a:avLst/>
+            <a:gdLst/>
+            <a:ahLst/>
+            <a:cxnLst/>
+            <a:rect l="l" t="t" r="r" b="b"/>
+            <a:pathLst>
+              <a:path w="9495369" h="7717145">
+                <a:moveTo>
+                  <a:pt x="0" y="0"/>
+                </a:moveTo>
+                <a:lnTo>
+                  <a:pt x="9495369" y="0"/>
+                </a:lnTo>
+                <a:lnTo>
+                  <a:pt x="9495369" y="7717145"/>
+                </a:lnTo>
+                <a:lnTo>
+                  <a:pt x="0" y="7717145"/>
+                </a:lnTo>
+                <a:lnTo>
+                  <a:pt x="0" y="0"/>
+                </a:lnTo>
+                <a:close/>
+              </a:path>
+            </a:pathLst>
+          </a:custGeom>
+          <a:blipFill rotWithShape="0">
+            <a:blip r:embed="rId17">
+              <a:alphaModFix amt="50000"/>
+            </a:blip>
+            <a:stretch/>
+          </a:blipFill>
+          <a:ln w="0">
+            <a:noFill/>
+          </a:ln>
+        </p:spPr>
+        <p:style>
+          <a:lnRef idx="0">
+            <a:scrgbClr r="0" g="0" b="0"/>
+          </a:lnRef>
+          <a:fillRef idx="0">
+            <a:scrgbClr r="0" g="0" b="0"/>
+          </a:fillRef>
+          <a:effectRef idx="0">
+            <a:scrgbClr r="0" g="0" b="0"/>
+          </a:effectRef>
+          <a:fontRef idx="minor"/>
+        </p:style>
+      </p:sp>
+    </p:spTree>
+    <p:extLst>
+      <p:ext uri="{BB962C8B-B14F-4D97-AF65-F5344CB8AC3E}">
+        <p14:creationId xmlns:p14="http://schemas.microsoft.com/office/powerpoint/2010/main" val="4088401455"/>
+      </p:ext>
+    </p:extLst>
+  </p:cSld>
+  <p:clrMap bg1="lt1" tx1="dk1" bg2="lt2" tx2="dk2" accent1="accent1" accent2="accent2" accent3="accent3" accent4="accent4" accent5="accent5" accent6="accent6" hlink="hlink" folHlink="folHlink"/>
+  <p:sldLayoutIdLst>
+    <p:sldLayoutId id="2147483661" r:id="rId1"/>
+    <p:sldLayoutId id="2147483662" r:id="rId2"/>
+    <p:sldLayoutId id="2147483663" r:id="rId3"/>
+    <p:sldLayoutId id="2147483664" r:id="rId4"/>
+    <p:sldLayoutId id="2147483665" r:id="rId5"/>
+    <p:sldLayoutId id="2147483666" r:id="rId6"/>
+    <p:sldLayoutId id="2147483667" r:id="rId7"/>
+    <p:sldLayoutId id="2147483668" r:id="rId8"/>
+    <p:sldLayoutId id="2147483669" r:id="rId9"/>
+    <p:sldLayoutId id="2147483670" r:id="rId10"/>
+    <p:sldLayoutId id="2147483671" r:id="rId11"/>
+    <p:sldLayoutId id="2147483672" r:id="rId12"/>
+    <p:sldLayoutId id="2147483673" r:id="rId13"/>
+    <p:sldLayoutId id="2147483674" r:id="rId14"/>
+  </p:sldLayoutIdLst>
+  <p:txStyles>
+    <p:titleStyle>
+      <a:lvl1pPr algn="l" defTabSz="1219170" rtl="0" eaLnBrk="1" latinLnBrk="0" hangingPunct="1">
+        <a:lnSpc>
+          <a:spcPct val="90000"/>
+        </a:lnSpc>
+        <a:spcBef>
+          <a:spcPct val="0"/>
+        </a:spcBef>
+        <a:buNone/>
+        <a:defRPr sz="5867" kern="1200">
+          <a:solidFill>
+            <a:schemeClr val="tx1"/>
+          </a:solidFill>
+          <a:latin typeface="+mj-lt"/>
+          <a:ea typeface="+mj-ea"/>
+          <a:cs typeface="+mj-cs"/>
+        </a:defRPr>
+      </a:lvl1pPr>
+    </p:titleStyle>
+    <p:bodyStyle>
+      <a:lvl1pPr marL="228474" indent="-227994" algn="l" defTabSz="1219170" rtl="0" eaLnBrk="1" latinLnBrk="0" hangingPunct="1">
+        <a:lnSpc>
+          <a:spcPct val="90000"/>
+        </a:lnSpc>
+        <a:spcBef>
+          <a:spcPts val="1001"/>
+        </a:spcBef>
+        <a:buClr>
+          <a:srgbClr val="000000"/>
+        </a:buClr>
+        <a:buFont typeface="Arial"/>
+        <a:buChar char="•"/>
+        <a:defRPr sz="3733" kern="1200">
+          <a:solidFill>
+            <a:schemeClr val="tx1"/>
+          </a:solidFill>
+          <a:latin typeface="+mn-lt"/>
+          <a:ea typeface="+mn-ea"/>
+          <a:cs typeface="+mn-cs"/>
+        </a:defRPr>
+      </a:lvl1pPr>
+      <a:lvl2pPr marL="914377" indent="-304792" algn="l" defTabSz="1219170" rtl="0" eaLnBrk="1" latinLnBrk="0" hangingPunct="1">
+        <a:lnSpc>
+          <a:spcPct val="90000"/>
+        </a:lnSpc>
+        <a:spcBef>
+          <a:spcPts val="667"/>
+        </a:spcBef>
+        <a:buFont typeface="Arial" panose="020B0604020202020204" pitchFamily="34" charset="0"/>
+        <a:buChar char="•"/>
+        <a:defRPr sz="3200" kern="1200">
+          <a:solidFill>
+            <a:schemeClr val="tx1"/>
+          </a:solidFill>
+          <a:latin typeface="+mn-lt"/>
+          <a:ea typeface="+mn-ea"/>
+          <a:cs typeface="+mn-cs"/>
+        </a:defRPr>
+      </a:lvl2pPr>
+      <a:lvl3pPr marL="1523962" indent="-304792" algn="l" defTabSz="1219170" rtl="0" eaLnBrk="1" latinLnBrk="0" hangingPunct="1">
+        <a:lnSpc>
+          <a:spcPct val="90000"/>
+        </a:lnSpc>
+        <a:spcBef>
+          <a:spcPts val="667"/>
+        </a:spcBef>
+        <a:buFont typeface="Arial" panose="020B0604020202020204" pitchFamily="34" charset="0"/>
+        <a:buChar char="•"/>
+        <a:defRPr sz="2667" kern="1200">
+          <a:solidFill>
+            <a:schemeClr val="tx1"/>
+          </a:solidFill>
+          <a:latin typeface="+mn-lt"/>
+          <a:ea typeface="+mn-ea"/>
+          <a:cs typeface="+mn-cs"/>
+        </a:defRPr>
+      </a:lvl3pPr>
+      <a:lvl4pPr marL="2133547" indent="-304792" algn="l" defTabSz="1219170" rtl="0" eaLnBrk="1" latinLnBrk="0" hangingPunct="1">
+        <a:lnSpc>
+          <a:spcPct val="90000"/>
+        </a:lnSpc>
+        <a:spcBef>
+          <a:spcPts val="667"/>
+        </a:spcBef>
+        <a:buFont typeface="Arial" panose="020B0604020202020204" pitchFamily="34" charset="0"/>
+        <a:buChar char="•"/>
+        <a:defRPr sz="2400" kern="1200">
+          <a:solidFill>
+            <a:schemeClr val="tx1"/>
+          </a:solidFill>
+          <a:latin typeface="+mn-lt"/>
+          <a:ea typeface="+mn-ea"/>
+          <a:cs typeface="+mn-cs"/>
+        </a:defRPr>
+      </a:lvl4pPr>
+      <a:lvl5pPr marL="2743131" indent="-304792" algn="l" defTabSz="1219170" rtl="0" eaLnBrk="1" latinLnBrk="0" hangingPunct="1">
+        <a:lnSpc>
+          <a:spcPct val="90000"/>
+        </a:lnSpc>
+        <a:spcBef>
+          <a:spcPts val="667"/>
+        </a:spcBef>
+        <a:buFont typeface="Arial" panose="020B0604020202020204" pitchFamily="34" charset="0"/>
+        <a:buChar char="•"/>
+        <a:defRPr sz="2400" kern="1200">
+          <a:solidFill>
+            <a:schemeClr val="tx1"/>
+          </a:solidFill>
+          <a:latin typeface="+mn-lt"/>
+          <a:ea typeface="+mn-ea"/>
+          <a:cs typeface="+mn-cs"/>
+        </a:defRPr>
+      </a:lvl5pPr>
+      <a:lvl6pPr marL="3352716" indent="-304792" algn="l" defTabSz="1219170" rtl="0" eaLnBrk="1" latinLnBrk="0" hangingPunct="1">
+        <a:lnSpc>
+          <a:spcPct val="90000"/>
+        </a:lnSpc>
+        <a:spcBef>
+          <a:spcPts val="667"/>
+        </a:spcBef>
+        <a:buFont typeface="Arial" panose="020B0604020202020204" pitchFamily="34" charset="0"/>
+        <a:buChar char="•"/>
+        <a:defRPr sz="2400" kern="1200">
+          <a:solidFill>
+            <a:schemeClr val="tx1"/>
+          </a:solidFill>
+          <a:latin typeface="+mn-lt"/>
+          <a:ea typeface="+mn-ea"/>
+          <a:cs typeface="+mn-cs"/>
+        </a:defRPr>
+      </a:lvl6pPr>
+      <a:lvl7pPr marL="3962301" indent="-304792" algn="l" defTabSz="1219170" rtl="0" eaLnBrk="1" latinLnBrk="0" hangingPunct="1">
+        <a:lnSpc>
+          <a:spcPct val="90000"/>
+        </a:lnSpc>
+        <a:spcBef>
+          <a:spcPts val="667"/>
+        </a:spcBef>
+        <a:buFont typeface="Arial" panose="020B0604020202020204" pitchFamily="34" charset="0"/>
+        <a:buChar char="•"/>
+        <a:defRPr sz="2400" kern="1200">
+          <a:solidFill>
+            <a:schemeClr val="tx1"/>
+          </a:solidFill>
+          <a:latin typeface="+mn-lt"/>
+          <a:ea typeface="+mn-ea"/>
+          <a:cs typeface="+mn-cs"/>
+        </a:defRPr>
+      </a:lvl7pPr>
+      <a:lvl8pPr marL="4571886" indent="-304792" algn="l" defTabSz="1219170" rtl="0" eaLnBrk="1" latinLnBrk="0" hangingPunct="1">
+        <a:lnSpc>
+          <a:spcPct val="90000"/>
+        </a:lnSpc>
+        <a:spcBef>
+          <a:spcPts val="667"/>
+        </a:spcBef>
+        <a:buFont typeface="Arial" panose="020B0604020202020204" pitchFamily="34" charset="0"/>
+        <a:buChar char="•"/>
+        <a:defRPr sz="2400" kern="1200">
+          <a:solidFill>
+            <a:schemeClr val="tx1"/>
+          </a:solidFill>
+          <a:latin typeface="+mn-lt"/>
+          <a:ea typeface="+mn-ea"/>
+          <a:cs typeface="+mn-cs"/>
+        </a:defRPr>
+      </a:lvl8pPr>
+      <a:lvl9pPr marL="5181470" indent="-304792" algn="l" defTabSz="1219170" rtl="0" eaLnBrk="1" latinLnBrk="0" hangingPunct="1">
+        <a:lnSpc>
+          <a:spcPct val="90000"/>
+        </a:lnSpc>
+        <a:spcBef>
+          <a:spcPts val="667"/>
+        </a:spcBef>
+        <a:buFont typeface="Arial" panose="020B0604020202020204" pitchFamily="34" charset="0"/>
+        <a:buChar char="•"/>
+        <a:defRPr sz="2400" kern="1200">
+          <a:solidFill>
+            <a:schemeClr val="tx1"/>
+          </a:solidFill>
+          <a:latin typeface="+mn-lt"/>
+          <a:ea typeface="+mn-ea"/>
+          <a:cs typeface="+mn-cs"/>
+        </a:defRPr>
+      </a:lvl9pPr>
+    </p:bodyStyle>
+    <p:otherStyle>
+      <a:defPPr>
+        <a:defRPr lang="en-US"/>
+      </a:defPPr>
+      <a:lvl1pPr marL="0" algn="l" defTabSz="1219170" rtl="0" eaLnBrk="1" latinLnBrk="0" hangingPunct="1">
+        <a:defRPr sz="2400" kern="1200">
+          <a:solidFill>
+            <a:schemeClr val="tx1"/>
+          </a:solidFill>
+          <a:latin typeface="+mn-lt"/>
+          <a:ea typeface="+mn-ea"/>
+          <a:cs typeface="+mn-cs"/>
+        </a:defRPr>
+      </a:lvl1pPr>
+      <a:lvl2pPr marL="609585" algn="l" defTabSz="1219170" rtl="0" eaLnBrk="1" latinLnBrk="0" hangingPunct="1">
+        <a:defRPr sz="2400" kern="1200">
+          <a:solidFill>
+            <a:schemeClr val="tx1"/>
+          </a:solidFill>
+          <a:latin typeface="+mn-lt"/>
+          <a:ea typeface="+mn-ea"/>
+          <a:cs typeface="+mn-cs"/>
+        </a:defRPr>
+      </a:lvl2pPr>
+      <a:lvl3pPr marL="1219170" algn="l" defTabSz="1219170" rtl="0" eaLnBrk="1" latinLnBrk="0" hangingPunct="1">
+        <a:defRPr sz="2400" kern="1200">
+          <a:solidFill>
+            <a:schemeClr val="tx1"/>
+          </a:solidFill>
+          <a:latin typeface="+mn-lt"/>
+          <a:ea typeface="+mn-ea"/>
+          <a:cs typeface="+mn-cs"/>
+        </a:defRPr>
+      </a:lvl3pPr>
+      <a:lvl4pPr marL="1828754" algn="l" defTabSz="1219170" rtl="0" eaLnBrk="1" latinLnBrk="0" hangingPunct="1">
+        <a:defRPr sz="2400" kern="1200">
+          <a:solidFill>
+            <a:schemeClr val="tx1"/>
+          </a:solidFill>
+          <a:latin typeface="+mn-lt"/>
+          <a:ea typeface="+mn-ea"/>
+          <a:cs typeface="+mn-cs"/>
+        </a:defRPr>
+      </a:lvl4pPr>
+      <a:lvl5pPr marL="2438339" algn="l" defTabSz="1219170" rtl="0" eaLnBrk="1" latinLnBrk="0" hangingPunct="1">
+        <a:defRPr sz="2400" kern="1200">
+          <a:solidFill>
+            <a:schemeClr val="tx1"/>
+          </a:solidFill>
+          <a:latin typeface="+mn-lt"/>
+          <a:ea typeface="+mn-ea"/>
+          <a:cs typeface="+mn-cs"/>
+        </a:defRPr>
+      </a:lvl5pPr>
+      <a:lvl6pPr marL="3047924" algn="l" defTabSz="1219170" rtl="0" eaLnBrk="1" latinLnBrk="0" hangingPunct="1">
+        <a:defRPr sz="2400" kern="1200">
+          <a:solidFill>
+            <a:schemeClr val="tx1"/>
+          </a:solidFill>
+          <a:latin typeface="+mn-lt"/>
+          <a:ea typeface="+mn-ea"/>
+          <a:cs typeface="+mn-cs"/>
+        </a:defRPr>
+      </a:lvl6pPr>
+      <a:lvl7pPr marL="3657509" algn="l" defTabSz="1219170" rtl="0" eaLnBrk="1" latinLnBrk="0" hangingPunct="1">
+        <a:defRPr sz="2400" kern="1200">
+          <a:solidFill>
+            <a:schemeClr val="tx1"/>
+          </a:solidFill>
+          <a:latin typeface="+mn-lt"/>
+          <a:ea typeface="+mn-ea"/>
+          <a:cs typeface="+mn-cs"/>
+        </a:defRPr>
+      </a:lvl7pPr>
+      <a:lvl8pPr marL="4267093" algn="l" defTabSz="1219170" rtl="0" eaLnBrk="1" latinLnBrk="0" hangingPunct="1">
+        <a:defRPr sz="2400" kern="1200">
+          <a:solidFill>
+            <a:schemeClr val="tx1"/>
+          </a:solidFill>
+          <a:latin typeface="+mn-lt"/>
+          <a:ea typeface="+mn-ea"/>
+          <a:cs typeface="+mn-cs"/>
+        </a:defRPr>
+      </a:lvl8pPr>
+      <a:lvl9pPr marL="4876678" algn="l" defTabSz="1219170" rtl="0" eaLnBrk="1" latinLnBrk="0" hangingPunct="1">
+        <a:defRPr sz="2400" kern="1200">
+          <a:solidFill>
+            <a:schemeClr val="tx1"/>
+          </a:solidFill>
+          <a:latin typeface="+mn-lt"/>
+          <a:ea typeface="+mn-ea"/>
+          <a:cs typeface="+mn-cs"/>
+        </a:defRPr>
+      </a:lvl9pPr>
+    </p:otherStyle>
+  </p:txStyles>
+</p:sldMaster>
+</file>
+
 <file path=ppt/slides/slide1.xml><?xml version="1.0" encoding="utf-8"?>
+<p:sld xmlns:a="http://schemas.openxmlformats.org/drawingml/2006/main" xmlns:r="http://schemas.openxmlformats.org/officeDocument/2006/relationships" xmlns:p="http://schemas.openxmlformats.org/presentationml/2006/main">
+  <p:cSld>
+    <p:spTree>
+      <p:nvGrpSpPr>
+        <p:cNvPr id="1" name=""/>
+        <p:cNvGrpSpPr/>
+        <p:nvPr/>
+      </p:nvGrpSpPr>
+      <p:grpSpPr>
+        <a:xfrm>
+          <a:off x="0" y="0"/>
+          <a:ext cx="0" cy="0"/>
+          <a:chOff x="0" y="0"/>
+          <a:chExt cx="0" cy="0"/>
+        </a:xfrm>
+      </p:grpSpPr>
+      <p:sp>
+        <p:nvSpPr>
+          <p:cNvPr id="3" name="Subtitle 2">
+            <a:extLst>
+              <a:ext uri="{FF2B5EF4-FFF2-40B4-BE49-F238E27FC236}">
+                <a16:creationId xmlns:a16="http://schemas.microsoft.com/office/drawing/2014/main" id="{CE66A48D-163B-A54A-E70E-AF9BF3D7CCD0}"/>
+              </a:ext>
+            </a:extLst>
+          </p:cNvPr>
+          <p:cNvSpPr>
+            <a:spLocks noGrp="1"/>
+          </p:cNvSpPr>
+          <p:nvPr>
+            <p:ph type="subTitle"/>
+          </p:nvPr>
+        </p:nvSpPr>
+        <p:spPr>
+          <a:xfrm>
+            <a:off x="660400" y="2906060"/>
+            <a:ext cx="10515360" cy="1325280"/>
+          </a:xfrm>
+        </p:spPr>
+        <p:txBody>
+          <a:bodyPr/>
+          <a:lstStyle/>
+          <a:p>
+            <a:pPr algn="ctr"/>
+            <a:br>
+              <a:rPr lang="ru-RU" b="1" dirty="0">
+                <a:latin typeface="Segoe UI Light" panose="020B0502040204020203" pitchFamily="34" charset="0"/>
+                <a:cs typeface="Segoe UI Light" panose="020B0502040204020203" pitchFamily="34" charset="0"/>
+              </a:rPr>
+            </a:br>
+            <a:r>
+              <a:rPr lang="ru-RU" b="1" dirty="0">
+                <a:latin typeface="Segoe UI Light" panose="020B0502040204020203" pitchFamily="34" charset="0"/>
+                <a:cs typeface="Segoe UI Light" panose="020B0502040204020203" pitchFamily="34" charset="0"/>
+              </a:rPr>
+              <a:t>Разработка серверной части приложений </a:t>
+            </a:r>
+            <a:r>
+              <a:rPr lang="ru-RU" b="1" dirty="0" err="1">
+                <a:latin typeface="Segoe UI Light" panose="020B0502040204020203" pitchFamily="34" charset="0"/>
+                <a:cs typeface="Segoe UI Light" panose="020B0502040204020203" pitchFamily="34" charset="0"/>
+              </a:rPr>
+              <a:t>PostgreSQL</a:t>
+            </a:r>
+            <a:r>
+              <a:rPr lang="ru-RU" b="1" dirty="0">
+                <a:latin typeface="Segoe UI Light" panose="020B0502040204020203" pitchFamily="34" charset="0"/>
+                <a:cs typeface="Segoe UI Light" panose="020B0502040204020203" pitchFamily="34" charset="0"/>
+              </a:rPr>
+              <a:t> 16</a:t>
+            </a:r>
+            <a:endParaRPr lang="en-US" b="1" dirty="0">
+              <a:latin typeface="Segoe UI Light" panose="020B0502040204020203" pitchFamily="34" charset="0"/>
+              <a:cs typeface="Segoe UI Light" panose="020B0502040204020203" pitchFamily="34" charset="0"/>
+            </a:endParaRPr>
+          </a:p>
+          <a:p>
+            <a:pPr algn="ctr"/>
+            <a:r>
+              <a:rPr lang="en-US" b="1" dirty="0">
+                <a:effectLst>
+                  <a:outerShdw blurRad="38100" dist="38100" dir="2700000" algn="tl">
+                    <a:srgbClr val="000000">
+                      <a:alpha val="43137"/>
+                    </a:srgbClr>
+                  </a:outerShdw>
+                </a:effectLst>
+                <a:latin typeface="News706 BT" panose="02040804060705020204" pitchFamily="18" charset="0"/>
+                <a:cs typeface="Segoe UI Light" panose="020B0502040204020203" pitchFamily="34" charset="0"/>
+              </a:rPr>
+              <a:t>(dev-1)</a:t>
+            </a:r>
+          </a:p>
+        </p:txBody>
+      </p:sp>
+      <p:pic>
+        <p:nvPicPr>
+          <p:cNvPr id="1026" name="Picture 2" descr="https://avatars.mds.yandex.net/i?id=6d149088086246972def0787c29b2c99ca2e0b99-4903276-images-thumbs&amp;n=13">
+            <a:extLst>
+              <a:ext uri="{FF2B5EF4-FFF2-40B4-BE49-F238E27FC236}">
+                <a16:creationId xmlns:a16="http://schemas.microsoft.com/office/drawing/2014/main" id="{03698AE0-4B56-44A2-B54C-E0F1338D7162}"/>
+              </a:ext>
+            </a:extLst>
+          </p:cNvPr>
+          <p:cNvPicPr>
+            <a:picLocks noChangeAspect="1" noChangeArrowheads="1"/>
+          </p:cNvPicPr>
+          <p:nvPr/>
+        </p:nvPicPr>
+        <p:blipFill>
+          <a:blip r:embed="rId2">
+            <a:extLst>
+              <a:ext uri="{28A0092B-C50C-407E-A947-70E740481C1C}">
+                <a14:useLocalDpi xmlns:a14="http://schemas.microsoft.com/office/drawing/2010/main" val="0"/>
+              </a:ext>
+            </a:extLst>
+          </a:blip>
+          <a:srcRect/>
+          <a:stretch>
+            <a:fillRect/>
+          </a:stretch>
+        </p:blipFill>
+        <p:spPr bwMode="auto">
+          <a:xfrm>
+            <a:off x="228841" y="167340"/>
+            <a:ext cx="2217839" cy="2105960"/>
+          </a:xfrm>
+          <a:prstGeom prst="rect">
+            <a:avLst/>
+          </a:prstGeom>
+          <a:noFill/>
+          <a:extLst>
+            <a:ext uri="{909E8E84-426E-40DD-AFC4-6F175D3DCCD1}">
+              <a14:hiddenFill xmlns:a14="http://schemas.microsoft.com/office/drawing/2010/main">
+                <a:solidFill>
+                  <a:srgbClr val="FFFFFF"/>
+                </a:solidFill>
+              </a14:hiddenFill>
+            </a:ext>
+          </a:extLst>
+        </p:spPr>
+      </p:pic>
+    </p:spTree>
+    <p:extLst>
+      <p:ext uri="{BB962C8B-B14F-4D97-AF65-F5344CB8AC3E}">
+        <p14:creationId xmlns:p14="http://schemas.microsoft.com/office/powerpoint/2010/main" val="3995975178"/>
+      </p:ext>
+    </p:extLst>
+  </p:cSld>
+  <p:clrMapOvr>
+    <a:masterClrMapping/>
+  </p:clrMapOvr>
+</p:sld>
+</file>
+
+<file path=ppt/slides/slide10.xml><?xml version="1.0" encoding="utf-8"?>
 <p:sld xmlns:a="http://schemas.openxmlformats.org/drawingml/2006/main" xmlns:r="http://schemas.openxmlformats.org/officeDocument/2006/relationships" xmlns:p="http://schemas.openxmlformats.org/presentationml/2006/main">
   <p:cSld>
     <p:spTree>
@@ -3332,10 +6180,10 @@
       </p:grpSpPr>
       <p:pic>
         <p:nvPicPr>
-          <p:cNvPr id="5" name="Рисунок 4">
-            <a:extLst>
-              <a:ext uri="{FF2B5EF4-FFF2-40B4-BE49-F238E27FC236}">
-                <a16:creationId xmlns:a16="http://schemas.microsoft.com/office/drawing/2014/main" id="{275E70F3-EBDF-4FD0-8C25-3E43B3526FE5}"/>
+          <p:cNvPr id="3" name="Рисунок 2">
+            <a:extLst>
+              <a:ext uri="{FF2B5EF4-FFF2-40B4-BE49-F238E27FC236}">
+                <a16:creationId xmlns:a16="http://schemas.microsoft.com/office/drawing/2014/main" id="{4B216773-65B4-40B8-ADF4-368CC9CD0336}"/>
               </a:ext>
             </a:extLst>
           </p:cNvPr>
@@ -3352,8 +6200,8 @@
         </p:blipFill>
         <p:spPr>
           <a:xfrm>
-            <a:off x="1539099" y="0"/>
-            <a:ext cx="9113802" cy="6858000"/>
+            <a:off x="1528482" y="0"/>
+            <a:ext cx="9135036" cy="6858000"/>
           </a:xfrm>
           <a:prstGeom prst="rect">
             <a:avLst/>
@@ -3363,7 +6211,7 @@
     </p:spTree>
     <p:extLst>
       <p:ext uri="{BB962C8B-B14F-4D97-AF65-F5344CB8AC3E}">
-        <p14:creationId xmlns:p14="http://schemas.microsoft.com/office/powerpoint/2010/main" val="2968183750"/>
+        <p14:creationId xmlns:p14="http://schemas.microsoft.com/office/powerpoint/2010/main" val="1970770602"/>
       </p:ext>
     </p:extLst>
   </p:cSld>
@@ -3373,7 +6221,7 @@
 </p:sld>
 </file>
 
-<file path=ppt/slides/slide10.xml><?xml version="1.0" encoding="utf-8"?>
+<file path=ppt/slides/slide11.xml><?xml version="1.0" encoding="utf-8"?>
 <p:sld xmlns:a="http://schemas.openxmlformats.org/drawingml/2006/main" xmlns:r="http://schemas.openxmlformats.org/officeDocument/2006/relationships" xmlns:p="http://schemas.openxmlformats.org/presentationml/2006/main">
   <p:cSld>
     <p:spTree>
@@ -3452,10 +6300,10 @@
       </p:grpSpPr>
       <p:pic>
         <p:nvPicPr>
-          <p:cNvPr id="3" name="Рисунок 2">
-            <a:extLst>
-              <a:ext uri="{FF2B5EF4-FFF2-40B4-BE49-F238E27FC236}">
-                <a16:creationId xmlns:a16="http://schemas.microsoft.com/office/drawing/2014/main" id="{9CC4B6F5-71EA-46BC-A7AC-3442C35E828D}"/>
+          <p:cNvPr id="5" name="Рисунок 4">
+            <a:extLst>
+              <a:ext uri="{FF2B5EF4-FFF2-40B4-BE49-F238E27FC236}">
+                <a16:creationId xmlns:a16="http://schemas.microsoft.com/office/drawing/2014/main" id="{275E70F3-EBDF-4FD0-8C25-3E43B3526FE5}"/>
               </a:ext>
             </a:extLst>
           </p:cNvPr>
@@ -3472,8 +6320,8 @@
         </p:blipFill>
         <p:spPr>
           <a:xfrm>
-            <a:off x="1556699" y="0"/>
-            <a:ext cx="9078601" cy="6858000"/>
+            <a:off x="1539099" y="0"/>
+            <a:ext cx="9113802" cy="6858000"/>
           </a:xfrm>
           <a:prstGeom prst="rect">
             <a:avLst/>
@@ -3483,7 +6331,7 @@
     </p:spTree>
     <p:extLst>
       <p:ext uri="{BB962C8B-B14F-4D97-AF65-F5344CB8AC3E}">
-        <p14:creationId xmlns:p14="http://schemas.microsoft.com/office/powerpoint/2010/main" val="3511439029"/>
+        <p14:creationId xmlns:p14="http://schemas.microsoft.com/office/powerpoint/2010/main" val="2968183750"/>
       </p:ext>
     </p:extLst>
   </p:cSld>
@@ -3512,10 +6360,10 @@
       </p:grpSpPr>
       <p:pic>
         <p:nvPicPr>
-          <p:cNvPr id="2" name="Рисунок 1">
-            <a:extLst>
-              <a:ext uri="{FF2B5EF4-FFF2-40B4-BE49-F238E27FC236}">
-                <a16:creationId xmlns:a16="http://schemas.microsoft.com/office/drawing/2014/main" id="{23C9372A-33C3-4817-828C-79C36502B1F9}"/>
+          <p:cNvPr id="3" name="Рисунок 2">
+            <a:extLst>
+              <a:ext uri="{FF2B5EF4-FFF2-40B4-BE49-F238E27FC236}">
+                <a16:creationId xmlns:a16="http://schemas.microsoft.com/office/drawing/2014/main" id="{9CC4B6F5-71EA-46BC-A7AC-3442C35E828D}"/>
               </a:ext>
             </a:extLst>
           </p:cNvPr>
@@ -3532,8 +6380,8 @@
         </p:blipFill>
         <p:spPr>
           <a:xfrm>
-            <a:off x="1550894" y="0"/>
-            <a:ext cx="9090212" cy="6858000"/>
+            <a:off x="1556699" y="0"/>
+            <a:ext cx="9078601" cy="6858000"/>
           </a:xfrm>
           <a:prstGeom prst="rect">
             <a:avLst/>
@@ -3543,7 +6391,7 @@
     </p:spTree>
     <p:extLst>
       <p:ext uri="{BB962C8B-B14F-4D97-AF65-F5344CB8AC3E}">
-        <p14:creationId xmlns:p14="http://schemas.microsoft.com/office/powerpoint/2010/main" val="1374625220"/>
+        <p14:creationId xmlns:p14="http://schemas.microsoft.com/office/powerpoint/2010/main" val="3511439029"/>
       </p:ext>
     </p:extLst>
   </p:cSld>
@@ -3575,7 +6423,7 @@
           <p:cNvPr id="2" name="Рисунок 1">
             <a:extLst>
               <a:ext uri="{FF2B5EF4-FFF2-40B4-BE49-F238E27FC236}">
-                <a16:creationId xmlns:a16="http://schemas.microsoft.com/office/drawing/2014/main" id="{6C379FA5-32D3-45DF-8927-99726F2CDF2B}"/>
+                <a16:creationId xmlns:a16="http://schemas.microsoft.com/office/drawing/2014/main" id="{23C9372A-33C3-4817-828C-79C36502B1F9}"/>
               </a:ext>
             </a:extLst>
           </p:cNvPr>
@@ -3592,8 +6440,8 @@
         </p:blipFill>
         <p:spPr>
           <a:xfrm>
-            <a:off x="1522504" y="0"/>
-            <a:ext cx="9146992" cy="6858000"/>
+            <a:off x="1550894" y="0"/>
+            <a:ext cx="9090212" cy="6858000"/>
           </a:xfrm>
           <a:prstGeom prst="rect">
             <a:avLst/>
@@ -3603,7 +6451,7 @@
     </p:spTree>
     <p:extLst>
       <p:ext uri="{BB962C8B-B14F-4D97-AF65-F5344CB8AC3E}">
-        <p14:creationId xmlns:p14="http://schemas.microsoft.com/office/powerpoint/2010/main" val="1500482341"/>
+        <p14:creationId xmlns:p14="http://schemas.microsoft.com/office/powerpoint/2010/main" val="1374625220"/>
       </p:ext>
     </p:extLst>
   </p:cSld>
@@ -3635,7 +6483,7 @@
           <p:cNvPr id="2" name="Рисунок 1">
             <a:extLst>
               <a:ext uri="{FF2B5EF4-FFF2-40B4-BE49-F238E27FC236}">
-                <a16:creationId xmlns:a16="http://schemas.microsoft.com/office/drawing/2014/main" id="{DA2B98E0-77E6-468D-87C2-CC3E3CFE00DC}"/>
+                <a16:creationId xmlns:a16="http://schemas.microsoft.com/office/drawing/2014/main" id="{6C379FA5-32D3-45DF-8927-99726F2CDF2B}"/>
               </a:ext>
             </a:extLst>
           </p:cNvPr>
@@ -3652,8 +6500,8 @@
         </p:blipFill>
         <p:spPr>
           <a:xfrm>
-            <a:off x="1561158" y="0"/>
-            <a:ext cx="9069683" cy="6858000"/>
+            <a:off x="1522504" y="0"/>
+            <a:ext cx="9146992" cy="6858000"/>
           </a:xfrm>
           <a:prstGeom prst="rect">
             <a:avLst/>
@@ -3663,7 +6511,7 @@
     </p:spTree>
     <p:extLst>
       <p:ext uri="{BB962C8B-B14F-4D97-AF65-F5344CB8AC3E}">
-        <p14:creationId xmlns:p14="http://schemas.microsoft.com/office/powerpoint/2010/main" val="1101945448"/>
+        <p14:creationId xmlns:p14="http://schemas.microsoft.com/office/powerpoint/2010/main" val="1500482341"/>
       </p:ext>
     </p:extLst>
   </p:cSld>
@@ -3695,7 +6543,7 @@
           <p:cNvPr id="2" name="Рисунок 1">
             <a:extLst>
               <a:ext uri="{FF2B5EF4-FFF2-40B4-BE49-F238E27FC236}">
-                <a16:creationId xmlns:a16="http://schemas.microsoft.com/office/drawing/2014/main" id="{4FDFB331-622D-4CE7-A83E-F6AB907E5CA7}"/>
+                <a16:creationId xmlns:a16="http://schemas.microsoft.com/office/drawing/2014/main" id="{DA2B98E0-77E6-468D-87C2-CC3E3CFE00DC}"/>
               </a:ext>
             </a:extLst>
           </p:cNvPr>
@@ -3712,8 +6560,8 @@
         </p:blipFill>
         <p:spPr>
           <a:xfrm>
-            <a:off x="1546324" y="0"/>
-            <a:ext cx="9099352" cy="6858000"/>
+            <a:off x="1561158" y="0"/>
+            <a:ext cx="9069683" cy="6858000"/>
           </a:xfrm>
           <a:prstGeom prst="rect">
             <a:avLst/>
@@ -3723,7 +6571,7 @@
     </p:spTree>
     <p:extLst>
       <p:ext uri="{BB962C8B-B14F-4D97-AF65-F5344CB8AC3E}">
-        <p14:creationId xmlns:p14="http://schemas.microsoft.com/office/powerpoint/2010/main" val="3475323775"/>
+        <p14:creationId xmlns:p14="http://schemas.microsoft.com/office/powerpoint/2010/main" val="1101945448"/>
       </p:ext>
     </p:extLst>
   </p:cSld>
@@ -3752,10 +6600,10 @@
       </p:grpSpPr>
       <p:pic>
         <p:nvPicPr>
-          <p:cNvPr id="3" name="Рисунок 2">
-            <a:extLst>
-              <a:ext uri="{FF2B5EF4-FFF2-40B4-BE49-F238E27FC236}">
-                <a16:creationId xmlns:a16="http://schemas.microsoft.com/office/drawing/2014/main" id="{9F60B53D-9210-450D-BF3F-8B2B73E0B8AE}"/>
+          <p:cNvPr id="2" name="Рисунок 1">
+            <a:extLst>
+              <a:ext uri="{FF2B5EF4-FFF2-40B4-BE49-F238E27FC236}">
+                <a16:creationId xmlns:a16="http://schemas.microsoft.com/office/drawing/2014/main" id="{4FDFB331-622D-4CE7-A83E-F6AB907E5CA7}"/>
               </a:ext>
             </a:extLst>
           </p:cNvPr>
@@ -3772,8 +6620,8 @@
         </p:blipFill>
         <p:spPr>
           <a:xfrm>
-            <a:off x="1534445" y="0"/>
-            <a:ext cx="9123110" cy="6858000"/>
+            <a:off x="1546324" y="0"/>
+            <a:ext cx="9099352" cy="6858000"/>
           </a:xfrm>
           <a:prstGeom prst="rect">
             <a:avLst/>
@@ -3783,7 +6631,7 @@
     </p:spTree>
     <p:extLst>
       <p:ext uri="{BB962C8B-B14F-4D97-AF65-F5344CB8AC3E}">
-        <p14:creationId xmlns:p14="http://schemas.microsoft.com/office/powerpoint/2010/main" val="578808260"/>
+        <p14:creationId xmlns:p14="http://schemas.microsoft.com/office/powerpoint/2010/main" val="3475323775"/>
       </p:ext>
     </p:extLst>
   </p:cSld>
@@ -3815,7 +6663,7 @@
           <p:cNvPr id="3" name="Рисунок 2">
             <a:extLst>
               <a:ext uri="{FF2B5EF4-FFF2-40B4-BE49-F238E27FC236}">
-                <a16:creationId xmlns:a16="http://schemas.microsoft.com/office/drawing/2014/main" id="{63AAAEBC-9487-4431-BE6C-40EB3805FC9A}"/>
+                <a16:creationId xmlns:a16="http://schemas.microsoft.com/office/drawing/2014/main" id="{9F60B53D-9210-450D-BF3F-8B2B73E0B8AE}"/>
               </a:ext>
             </a:extLst>
           </p:cNvPr>
@@ -3832,8 +6680,8 @@
         </p:blipFill>
         <p:spPr>
           <a:xfrm>
-            <a:off x="1531451" y="0"/>
-            <a:ext cx="9129097" cy="6858000"/>
+            <a:off x="1534445" y="0"/>
+            <a:ext cx="9123110" cy="6858000"/>
           </a:xfrm>
           <a:prstGeom prst="rect">
             <a:avLst/>
@@ -3843,7 +6691,7 @@
     </p:spTree>
     <p:extLst>
       <p:ext uri="{BB962C8B-B14F-4D97-AF65-F5344CB8AC3E}">
-        <p14:creationId xmlns:p14="http://schemas.microsoft.com/office/powerpoint/2010/main" val="1469654794"/>
+        <p14:creationId xmlns:p14="http://schemas.microsoft.com/office/powerpoint/2010/main" val="578808260"/>
       </p:ext>
     </p:extLst>
   </p:cSld>
@@ -3875,7 +6723,7 @@
           <p:cNvPr id="3" name="Рисунок 2">
             <a:extLst>
               <a:ext uri="{FF2B5EF4-FFF2-40B4-BE49-F238E27FC236}">
-                <a16:creationId xmlns:a16="http://schemas.microsoft.com/office/drawing/2014/main" id="{4B216773-65B4-40B8-ADF4-368CC9CD0336}"/>
+                <a16:creationId xmlns:a16="http://schemas.microsoft.com/office/drawing/2014/main" id="{63AAAEBC-9487-4431-BE6C-40EB3805FC9A}"/>
               </a:ext>
             </a:extLst>
           </p:cNvPr>
@@ -3892,8 +6740,8 @@
         </p:blipFill>
         <p:spPr>
           <a:xfrm>
-            <a:off x="1528482" y="0"/>
-            <a:ext cx="9135036" cy="6858000"/>
+            <a:off x="1531451" y="0"/>
+            <a:ext cx="9129097" cy="6858000"/>
           </a:xfrm>
           <a:prstGeom prst="rect">
             <a:avLst/>
@@ -3903,7 +6751,7 @@
     </p:spTree>
     <p:extLst>
       <p:ext uri="{BB962C8B-B14F-4D97-AF65-F5344CB8AC3E}">
-        <p14:creationId xmlns:p14="http://schemas.microsoft.com/office/powerpoint/2010/main" val="1970770602"/>
+        <p14:creationId xmlns:p14="http://schemas.microsoft.com/office/powerpoint/2010/main" val="1469654794"/>
       </p:ext>
     </p:extLst>
   </p:cSld>
@@ -4206,4 +7054,232 @@
     </a:ext>
   </a:extLst>
 </a:theme>
+</file>
+
+<file path=ppt/theme/theme2.xml><?xml version="1.0" encoding="utf-8"?>
+<a:theme xmlns:a="http://schemas.openxmlformats.org/drawingml/2006/main" name="Office Theme">
+  <a:themeElements>
+    <a:clrScheme name="Office">
+      <a:dk1>
+        <a:sysClr val="windowText" lastClr="000000"/>
+      </a:dk1>
+      <a:lt1>
+        <a:sysClr val="window" lastClr="FFFFFF"/>
+      </a:lt1>
+      <a:dk2>
+        <a:srgbClr val="44546A"/>
+      </a:dk2>
+      <a:lt2>
+        <a:srgbClr val="E7E6E6"/>
+      </a:lt2>
+      <a:accent1>
+        <a:srgbClr val="4472C4"/>
+      </a:accent1>
+      <a:accent2>
+        <a:srgbClr val="ED7D31"/>
+      </a:accent2>
+      <a:accent3>
+        <a:srgbClr val="A5A5A5"/>
+      </a:accent3>
+      <a:accent4>
+        <a:srgbClr val="FFC000"/>
+      </a:accent4>
+      <a:accent5>
+        <a:srgbClr val="5B9BD5"/>
+      </a:accent5>
+      <a:accent6>
+        <a:srgbClr val="70AD47"/>
+      </a:accent6>
+      <a:hlink>
+        <a:srgbClr val="0563C1"/>
+      </a:hlink>
+      <a:folHlink>
+        <a:srgbClr val="954F72"/>
+      </a:folHlink>
+    </a:clrScheme>
+    <a:fontScheme name="Office">
+      <a:majorFont>
+        <a:latin typeface="Arial"/>
+        <a:ea typeface="DejaVu Sans"/>
+        <a:cs typeface="DejaVu Sans"/>
+      </a:majorFont>
+      <a:minorFont>
+        <a:latin typeface="Arial"/>
+        <a:ea typeface="DejaVu Sans"/>
+        <a:cs typeface="DejaVu Sans"/>
+      </a:minorFont>
+    </a:fontScheme>
+    <a:fmtScheme name="Office">
+      <a:fillStyleLst>
+        <a:solidFill>
+          <a:schemeClr val="phClr"/>
+        </a:solidFill>
+        <a:gradFill rotWithShape="1">
+          <a:gsLst>
+            <a:gs pos="0">
+              <a:schemeClr val="phClr">
+                <a:tint val="50000"/>
+                <a:satMod val="300000"/>
+              </a:schemeClr>
+            </a:gs>
+            <a:gs pos="35000">
+              <a:schemeClr val="phClr">
+                <a:tint val="37000"/>
+                <a:satMod val="300000"/>
+              </a:schemeClr>
+            </a:gs>
+            <a:gs pos="100000">
+              <a:schemeClr val="phClr">
+                <a:tint val="15000"/>
+                <a:satMod val="350000"/>
+              </a:schemeClr>
+            </a:gs>
+          </a:gsLst>
+          <a:lin ang="16200000" scaled="1"/>
+        </a:gradFill>
+        <a:gradFill rotWithShape="1">
+          <a:gsLst>
+            <a:gs pos="0">
+              <a:schemeClr val="phClr">
+                <a:shade val="51000"/>
+                <a:satMod val="130000"/>
+              </a:schemeClr>
+            </a:gs>
+            <a:gs pos="80000">
+              <a:schemeClr val="phClr">
+                <a:shade val="93000"/>
+                <a:satMod val="130000"/>
+              </a:schemeClr>
+            </a:gs>
+            <a:gs pos="100000">
+              <a:schemeClr val="phClr">
+                <a:shade val="94000"/>
+                <a:satMod val="135000"/>
+              </a:schemeClr>
+            </a:gs>
+          </a:gsLst>
+          <a:lin ang="16200000" scaled="0"/>
+        </a:gradFill>
+      </a:fillStyleLst>
+      <a:lnStyleLst>
+        <a:ln w="9525" cap="flat" cmpd="sng" algn="ctr">
+          <a:solidFill>
+            <a:schemeClr val="phClr">
+              <a:shade val="95000"/>
+              <a:satMod val="105000"/>
+            </a:schemeClr>
+          </a:solidFill>
+          <a:prstDash val="solid"/>
+          <a:miter/>
+        </a:ln>
+        <a:ln w="25400" cap="flat" cmpd="sng" algn="ctr">
+          <a:solidFill>
+            <a:schemeClr val="phClr"/>
+          </a:solidFill>
+          <a:prstDash val="solid"/>
+          <a:miter/>
+        </a:ln>
+        <a:ln w="38100" cap="flat" cmpd="sng" algn="ctr">
+          <a:solidFill>
+            <a:schemeClr val="phClr"/>
+          </a:solidFill>
+          <a:prstDash val="solid"/>
+          <a:miter/>
+        </a:ln>
+      </a:lnStyleLst>
+      <a:effectStyleLst>
+        <a:effectStyle>
+          <a:effectLst>
+            <a:outerShdw blurRad="40000" dist="20000" dir="5400000" rotWithShape="0">
+              <a:srgbClr val="000000">
+                <a:alpha val="38000"/>
+              </a:srgbClr>
+            </a:outerShdw>
+          </a:effectLst>
+        </a:effectStyle>
+        <a:effectStyle>
+          <a:effectLst>
+            <a:outerShdw blurRad="40000" dist="23000" dir="5400000" rotWithShape="0">
+              <a:srgbClr val="000000">
+                <a:alpha val="35000"/>
+              </a:srgbClr>
+            </a:outerShdw>
+          </a:effectLst>
+        </a:effectStyle>
+        <a:effectStyle>
+          <a:effectLst>
+            <a:outerShdw blurRad="40000" dist="23000" dir="5400000" rotWithShape="0">
+              <a:srgbClr val="000000">
+                <a:alpha val="35000"/>
+              </a:srgbClr>
+            </a:outerShdw>
+          </a:effectLst>
+          <a:scene3d>
+            <a:camera prst="orthographicFront">
+              <a:rot lat="0" lon="0" rev="0"/>
+            </a:camera>
+            <a:lightRig rig="threePt" dir="t">
+              <a:rot lat="0" lon="0" rev="1200000"/>
+            </a:lightRig>
+          </a:scene3d>
+          <a:sp3d>
+            <a:bevelT w="63500" h="25400"/>
+          </a:sp3d>
+        </a:effectStyle>
+      </a:effectStyleLst>
+      <a:bgFillStyleLst>
+        <a:solidFill>
+          <a:schemeClr val="phClr"/>
+        </a:solidFill>
+        <a:gradFill rotWithShape="1">
+          <a:gsLst>
+            <a:gs pos="0">
+              <a:schemeClr val="phClr">
+                <a:tint val="40000"/>
+                <a:satMod val="350000"/>
+              </a:schemeClr>
+            </a:gs>
+            <a:gs pos="40000">
+              <a:schemeClr val="phClr">
+                <a:tint val="45000"/>
+                <a:shade val="99000"/>
+                <a:satMod val="350000"/>
+              </a:schemeClr>
+            </a:gs>
+            <a:gs pos="100000">
+              <a:schemeClr val="phClr">
+                <a:shade val="20000"/>
+                <a:satMod val="255000"/>
+              </a:schemeClr>
+            </a:gs>
+          </a:gsLst>
+          <a:path path="circle">
+            <a:fillToRect l="50000" t="-80000" r="50000" b="180000"/>
+          </a:path>
+        </a:gradFill>
+        <a:gradFill rotWithShape="1">
+          <a:gsLst>
+            <a:gs pos="0">
+              <a:schemeClr val="phClr">
+                <a:tint val="80000"/>
+                <a:satMod val="300000"/>
+              </a:schemeClr>
+            </a:gs>
+            <a:gs pos="100000">
+              <a:schemeClr val="phClr">
+                <a:shade val="30000"/>
+                <a:satMod val="200000"/>
+              </a:schemeClr>
+            </a:gs>
+          </a:gsLst>
+          <a:path path="circle">
+            <a:fillToRect l="50000" t="50000" r="50000" b="50000"/>
+          </a:path>
+        </a:gradFill>
+      </a:bgFillStyleLst>
+    </a:fmtScheme>
+  </a:themeElements>
+  <a:objectDefaults/>
+  <a:extraClrSchemeLst/>
+</a:theme>
 </file>